--- a/4. Testing.pptx
+++ b/4. Testing.pptx
@@ -10,19 +10,20 @@
     <p:sldId id="257" r:id="rId4"/>
     <p:sldId id="281" r:id="rId5"/>
     <p:sldId id="278" r:id="rId6"/>
-    <p:sldId id="283" r:id="rId7"/>
-    <p:sldId id="288" r:id="rId8"/>
-    <p:sldId id="275" r:id="rId9"/>
-    <p:sldId id="290" r:id="rId10"/>
-    <p:sldId id="291" r:id="rId11"/>
-    <p:sldId id="289" r:id="rId12"/>
-    <p:sldId id="292" r:id="rId13"/>
-    <p:sldId id="294" r:id="rId14"/>
-    <p:sldId id="293" r:id="rId15"/>
-    <p:sldId id="287" r:id="rId16"/>
-    <p:sldId id="285" r:id="rId17"/>
-    <p:sldId id="286" r:id="rId18"/>
-    <p:sldId id="265" r:id="rId19"/>
+    <p:sldId id="295" r:id="rId7"/>
+    <p:sldId id="283" r:id="rId8"/>
+    <p:sldId id="288" r:id="rId9"/>
+    <p:sldId id="275" r:id="rId10"/>
+    <p:sldId id="290" r:id="rId11"/>
+    <p:sldId id="291" r:id="rId12"/>
+    <p:sldId id="289" r:id="rId13"/>
+    <p:sldId id="292" r:id="rId14"/>
+    <p:sldId id="294" r:id="rId15"/>
+    <p:sldId id="293" r:id="rId16"/>
+    <p:sldId id="287" r:id="rId17"/>
+    <p:sldId id="285" r:id="rId18"/>
+    <p:sldId id="286" r:id="rId19"/>
+    <p:sldId id="265" r:id="rId20"/>
   </p:sldIdLst>
   <p:sldSz cx="12192000" cy="6858000"/>
   <p:notesSz cx="6858000" cy="9144000"/>
@@ -15611,7 +15612,7 @@
           <a:p>
             <a:fld id="{911B92C1-5B44-4EF6-964F-B1727ADB36B8}" type="datetimeFigureOut">
               <a:rPr lang="ko-KR" altLang="en-US" smtClean="0"/>
-              <a:t>2018-10-13</a:t>
+              <a:t>2018-10-15</a:t>
             </a:fld>
             <a:endParaRPr lang="ko-KR" altLang="en-US"/>
           </a:p>
@@ -15809,7 +15810,7 @@
           <a:p>
             <a:fld id="{911B92C1-5B44-4EF6-964F-B1727ADB36B8}" type="datetimeFigureOut">
               <a:rPr lang="ko-KR" altLang="en-US" smtClean="0"/>
-              <a:t>2018-10-13</a:t>
+              <a:t>2018-10-15</a:t>
             </a:fld>
             <a:endParaRPr lang="ko-KR" altLang="en-US"/>
           </a:p>
@@ -32692,7 +32693,7 @@
     <mc:Choice Requires="p14">
       <p:transition/>
     </mc:Choice>
-    <mc:Fallback xmlns:dsp="http://schemas.microsoft.com/office/drawing/2008/diagram" xmlns:dgm="http://schemas.openxmlformats.org/drawingml/2006/diagram" xmlns:c="http://schemas.openxmlformats.org/drawingml/2006/chart" xmlns="">
+    <mc:Fallback xmlns="" xmlns:c="http://schemas.openxmlformats.org/drawingml/2006/chart" xmlns:dgm="http://schemas.openxmlformats.org/drawingml/2006/diagram" xmlns:dsp="http://schemas.microsoft.com/office/drawing/2008/diagram">
       <p:transition/>
     </mc:Fallback>
   </mc:AlternateContent>
@@ -32700,6 +32701,319 @@
 </file>
 
 <file path=ppt/slides/slide10.xml><?xml version="1.0" encoding="utf-8"?>
+<p:sld xmlns:a="http://schemas.openxmlformats.org/drawingml/2006/main" xmlns:r="http://schemas.openxmlformats.org/officeDocument/2006/relationships" xmlns:p="http://schemas.openxmlformats.org/presentationml/2006/main">
+  <p:cSld>
+    <p:bg>
+      <p:bgPr>
+        <a:blipFill rotWithShape="1">
+          <a:blip r:embed="rId2">
+            <a:alphaModFix/>
+            <a:lum/>
+          </a:blip>
+          <a:tile tx="0" ty="0" sx="100000" sy="100000" flip="none" algn="ctr"/>
+        </a:blipFill>
+        <a:effectLst/>
+      </p:bgPr>
+    </p:bg>
+    <p:spTree>
+      <p:nvGrpSpPr>
+        <p:cNvPr id="1" name=""/>
+        <p:cNvGrpSpPr/>
+        <p:nvPr/>
+      </p:nvGrpSpPr>
+      <p:grpSpPr>
+        <a:xfrm>
+          <a:off x="0" y="0"/>
+          <a:ext cx="0" cy="0"/>
+          <a:chOff x="0" y="0"/>
+          <a:chExt cx="0" cy="0"/>
+        </a:xfrm>
+      </p:grpSpPr>
+      <p:sp>
+        <p:nvSpPr>
+          <p:cNvPr id="25" name="TextBox 24"/>
+          <p:cNvSpPr txBox="1"/>
+          <p:nvPr/>
+        </p:nvSpPr>
+        <p:spPr>
+          <a:xfrm>
+            <a:off x="1135907" y="520835"/>
+            <a:ext cx="6373643" cy="689042"/>
+          </a:xfrm>
+          <a:prstGeom prst="rect">
+            <a:avLst/>
+          </a:prstGeom>
+        </p:spPr>
+        <p:txBody>
+          <a:bodyPr wrap="square"/>
+          <a:lstStyle/>
+          <a:p>
+            <a:pPr>
+              <a:defRPr/>
+            </a:pPr>
+            <a:r>
+              <a:rPr lang="ko-KR" altLang="en-US" sz="3600" b="1" dirty="0">
+                <a:latin typeface="한컴 고딕"/>
+                <a:ea typeface="한컴 고딕"/>
+              </a:rPr>
+              <a:t>결과 </a:t>
+            </a:r>
+            <a:r>
+              <a:rPr lang="en-US" altLang="ko-KR" sz="3600" b="1" dirty="0">
+                <a:latin typeface="한컴 고딕"/>
+                <a:ea typeface="한컴 고딕"/>
+              </a:rPr>
+              <a:t>2013~2018</a:t>
+            </a:r>
+            <a:endParaRPr lang="ko-KR" altLang="en-US" sz="3600" b="1" dirty="0">
+              <a:latin typeface="한컴 고딕"/>
+              <a:ea typeface="한컴 고딕"/>
+            </a:endParaRPr>
+          </a:p>
+        </p:txBody>
+      </p:sp>
+      <p:pic>
+        <p:nvPicPr>
+          <p:cNvPr id="5" name="그림 4">
+            <a:extLst>
+              <a:ext uri="{FF2B5EF4-FFF2-40B4-BE49-F238E27FC236}">
+                <a16:creationId xmlns:a16="http://schemas.microsoft.com/office/drawing/2014/main" id="{6165AE2C-991C-4712-9DEA-87F420FF5926}"/>
+              </a:ext>
+            </a:extLst>
+          </p:cNvPr>
+          <p:cNvPicPr>
+            <a:picLocks noChangeAspect="1"/>
+          </p:cNvPicPr>
+          <p:nvPr/>
+        </p:nvPicPr>
+        <p:blipFill rotWithShape="1">
+          <a:blip r:embed="rId3">
+            <a:extLst>
+              <a:ext uri="{28A0092B-C50C-407E-A947-70E740481C1C}">
+                <a14:useLocalDpi xmlns:a14="http://schemas.microsoft.com/office/drawing/2010/main" val="0"/>
+              </a:ext>
+            </a:extLst>
+          </a:blip>
+          <a:srcRect r="277" b="53635"/>
+          <a:stretch/>
+        </p:blipFill>
+        <p:spPr>
+          <a:xfrm>
+            <a:off x="1260068" y="1871535"/>
+            <a:ext cx="4664911" cy="1557465"/>
+          </a:xfrm>
+          <a:prstGeom prst="rect">
+            <a:avLst/>
+          </a:prstGeom>
+        </p:spPr>
+      </p:pic>
+      <p:sp>
+        <p:nvSpPr>
+          <p:cNvPr id="2" name="TextBox 1">
+            <a:extLst>
+              <a:ext uri="{FF2B5EF4-FFF2-40B4-BE49-F238E27FC236}">
+                <a16:creationId xmlns:a16="http://schemas.microsoft.com/office/drawing/2014/main" id="{53761027-0C3E-424E-B43E-16A917A597EB}"/>
+              </a:ext>
+            </a:extLst>
+          </p:cNvPr>
+          <p:cNvSpPr txBox="1"/>
+          <p:nvPr/>
+        </p:nvSpPr>
+        <p:spPr>
+          <a:xfrm>
+            <a:off x="1260068" y="3489873"/>
+            <a:ext cx="4664911" cy="1938992"/>
+          </a:xfrm>
+          <a:prstGeom prst="rect">
+            <a:avLst/>
+          </a:prstGeom>
+        </p:spPr>
+        <p:txBody>
+          <a:bodyPr wrap="square" rtlCol="0">
+            <a:spAutoFit/>
+          </a:bodyPr>
+          <a:lstStyle/>
+          <a:p>
+            <a:r>
+              <a:rPr lang="en-US" altLang="ko-KR" sz="2400" b="1" dirty="0"/>
+              <a:t>2013</a:t>
+            </a:r>
+            <a:r>
+              <a:rPr lang="ko-KR" altLang="en-US" sz="2400" b="1" dirty="0"/>
+              <a:t>년부터 </a:t>
+            </a:r>
+            <a:r>
+              <a:rPr lang="en-US" altLang="ko-KR" sz="2400" b="1" dirty="0"/>
+              <a:t>2018</a:t>
+            </a:r>
+            <a:r>
+              <a:rPr lang="ko-KR" altLang="en-US" sz="2400" b="1" dirty="0"/>
+              <a:t>년까지 가장 중심 지수가 높은 배우는 </a:t>
+            </a:r>
+            <a:r>
+              <a:rPr lang="ko-KR" altLang="en-US" sz="2400" b="1" dirty="0" err="1">
+                <a:solidFill>
+                  <a:srgbClr val="0070C0"/>
+                </a:solidFill>
+              </a:rPr>
+              <a:t>김원해</a:t>
+            </a:r>
+            <a:endParaRPr lang="en-US" altLang="ko-KR" sz="2400" b="1" dirty="0">
+              <a:solidFill>
+                <a:srgbClr val="0070C0"/>
+              </a:solidFill>
+            </a:endParaRPr>
+          </a:p>
+          <a:p>
+            <a:r>
+              <a:rPr lang="ko-KR" altLang="en-US" sz="2400" b="1" dirty="0"/>
+              <a:t>약 </a:t>
+            </a:r>
+            <a:r>
+              <a:rPr lang="en-US" altLang="ko-KR" sz="2400" b="1" dirty="0">
+                <a:solidFill>
+                  <a:srgbClr val="0070C0"/>
+                </a:solidFill>
+              </a:rPr>
+              <a:t>2.615</a:t>
+            </a:r>
+            <a:r>
+              <a:rPr lang="en-US" altLang="ko-KR" sz="2400" b="1" dirty="0"/>
+              <a:t> </a:t>
+            </a:r>
+            <a:r>
+              <a:rPr lang="ko-KR" altLang="en-US" sz="2400" b="1" dirty="0"/>
+              <a:t>로 가장 높았다</a:t>
+            </a:r>
+            <a:r>
+              <a:rPr lang="en-US" altLang="ko-KR" sz="2400" b="1" dirty="0"/>
+              <a:t>.</a:t>
+            </a:r>
+          </a:p>
+          <a:p>
+            <a:endParaRPr lang="en-US" altLang="ko-KR" sz="2400" b="1" dirty="0"/>
+          </a:p>
+          <a:p>
+            <a:r>
+              <a:rPr lang="ko-KR" altLang="en-US" sz="2400" b="1" dirty="0" err="1"/>
+              <a:t>인접노드의</a:t>
+            </a:r>
+            <a:r>
+              <a:rPr lang="ko-KR" altLang="en-US" sz="2400" b="1" dirty="0"/>
+              <a:t> 수도 가장 많았다</a:t>
+            </a:r>
+            <a:r>
+              <a:rPr lang="en-US" altLang="ko-KR" sz="2400" b="1" dirty="0"/>
+              <a:t>.</a:t>
+            </a:r>
+            <a:endParaRPr lang="ko-KR" altLang="en-US" sz="2400" b="1" dirty="0"/>
+          </a:p>
+        </p:txBody>
+      </p:sp>
+      <p:pic>
+        <p:nvPicPr>
+          <p:cNvPr id="6" name="그림 5">
+            <a:extLst>
+              <a:ext uri="{FF2B5EF4-FFF2-40B4-BE49-F238E27FC236}">
+                <a16:creationId xmlns:a16="http://schemas.microsoft.com/office/drawing/2014/main" id="{526706DB-D4C0-4871-85F3-F3448FA19AC9}"/>
+              </a:ext>
+            </a:extLst>
+          </p:cNvPr>
+          <p:cNvPicPr>
+            <a:picLocks noChangeAspect="1"/>
+          </p:cNvPicPr>
+          <p:nvPr/>
+        </p:nvPicPr>
+        <p:blipFill>
+          <a:blip r:embed="rId4">
+            <a:extLst>
+              <a:ext uri="{28A0092B-C50C-407E-A947-70E740481C1C}">
+                <a14:useLocalDpi xmlns:a14="http://schemas.microsoft.com/office/drawing/2010/main" val="0"/>
+              </a:ext>
+            </a:extLst>
+          </a:blip>
+          <a:stretch>
+            <a:fillRect/>
+          </a:stretch>
+        </p:blipFill>
+        <p:spPr>
+          <a:xfrm>
+            <a:off x="5924979" y="1825902"/>
+            <a:ext cx="6145101" cy="3456619"/>
+          </a:xfrm>
+          <a:prstGeom prst="rect">
+            <a:avLst/>
+          </a:prstGeom>
+        </p:spPr>
+      </p:pic>
+      <p:sp>
+        <p:nvSpPr>
+          <p:cNvPr id="9" name="TextBox 8">
+            <a:extLst>
+              <a:ext uri="{FF2B5EF4-FFF2-40B4-BE49-F238E27FC236}">
+                <a16:creationId xmlns:a16="http://schemas.microsoft.com/office/drawing/2014/main" id="{312DF9B6-E24A-46DE-BFBD-799FFA36F770}"/>
+              </a:ext>
+            </a:extLst>
+          </p:cNvPr>
+          <p:cNvSpPr txBox="1"/>
+          <p:nvPr/>
+        </p:nvSpPr>
+        <p:spPr>
+          <a:xfrm>
+            <a:off x="6010656" y="5388864"/>
+            <a:ext cx="5522976" cy="369332"/>
+          </a:xfrm>
+          <a:prstGeom prst="rect">
+            <a:avLst/>
+          </a:prstGeom>
+        </p:spPr>
+        <p:txBody>
+          <a:bodyPr wrap="square" rtlCol="0">
+            <a:spAutoFit/>
+          </a:bodyPr>
+          <a:lstStyle/>
+          <a:p>
+            <a:r>
+              <a:rPr lang="en-US" altLang="ko-KR" b="1" dirty="0"/>
+              <a:t>* 2017</a:t>
+            </a:r>
+            <a:r>
+              <a:rPr lang="ko-KR" altLang="en-US" b="1" dirty="0"/>
+              <a:t>년 </a:t>
+            </a:r>
+            <a:r>
+              <a:rPr lang="en-US" altLang="ko-KR" b="1" dirty="0"/>
+              <a:t>SBS </a:t>
+            </a:r>
+            <a:r>
+              <a:rPr lang="ko-KR" altLang="en-US" b="1" dirty="0"/>
+              <a:t>연기대상 수상 사진</a:t>
+            </a:r>
+          </a:p>
+        </p:txBody>
+      </p:sp>
+    </p:spTree>
+    <p:extLst>
+      <p:ext uri="{BB962C8B-B14F-4D97-AF65-F5344CB8AC3E}">
+        <p14:creationId xmlns:p14="http://schemas.microsoft.com/office/powerpoint/2010/main" val="2029872331"/>
+      </p:ext>
+    </p:extLst>
+  </p:cSld>
+  <p:clrMapOvr>
+    <a:masterClrMapping/>
+  </p:clrMapOvr>
+  <mc:AlternateContent xmlns:mc="http://schemas.openxmlformats.org/markup-compatibility/2006" xmlns:p14="http://schemas.microsoft.com/office/powerpoint/2010/main">
+    <mc:Choice Requires="p14">
+      <p:transition/>
+    </mc:Choice>
+    <mc:Fallback xmlns="" xmlns:c="http://schemas.openxmlformats.org/drawingml/2006/chart" xmlns:dgm="http://schemas.openxmlformats.org/drawingml/2006/diagram" xmlns:dsp="http://schemas.microsoft.com/office/drawing/2008/diagram">
+      <p:transition/>
+    </mc:Fallback>
+  </mc:AlternateContent>
+</p:sld>
+</file>
+
+<file path=ppt/slides/slide11.xml><?xml version="1.0" encoding="utf-8"?>
 <p:sld xmlns:a="http://schemas.openxmlformats.org/drawingml/2006/main" xmlns:r="http://schemas.openxmlformats.org/officeDocument/2006/relationships" xmlns:p="http://schemas.openxmlformats.org/presentationml/2006/main">
   <p:cSld>
     <p:bg>
@@ -32900,14 +33214,14 @@
     <mc:Choice Requires="p14">
       <p:transition/>
     </mc:Choice>
-    <mc:Fallback xmlns:dsp="http://schemas.microsoft.com/office/drawing/2008/diagram" xmlns:dgm="http://schemas.openxmlformats.org/drawingml/2006/diagram" xmlns:c="http://schemas.openxmlformats.org/drawingml/2006/chart" xmlns="">
+    <mc:Fallback xmlns="" xmlns:c="http://schemas.openxmlformats.org/drawingml/2006/chart" xmlns:dgm="http://schemas.openxmlformats.org/drawingml/2006/diagram" xmlns:dsp="http://schemas.microsoft.com/office/drawing/2008/diagram">
       <p:transition/>
     </mc:Fallback>
   </mc:AlternateContent>
 </p:sld>
 </file>
 
-<file path=ppt/slides/slide11.xml><?xml version="1.0" encoding="utf-8"?>
+<file path=ppt/slides/slide12.xml><?xml version="1.0" encoding="utf-8"?>
 <p:sld xmlns:a="http://schemas.openxmlformats.org/drawingml/2006/main" xmlns:r="http://schemas.openxmlformats.org/officeDocument/2006/relationships" xmlns:p="http://schemas.openxmlformats.org/presentationml/2006/main">
   <p:cSld>
     <p:bg>
@@ -33264,14 +33578,14 @@
     <mc:Choice Requires="p14">
       <p:transition/>
     </mc:Choice>
-    <mc:Fallback xmlns:dsp="http://schemas.microsoft.com/office/drawing/2008/diagram" xmlns:dgm="http://schemas.openxmlformats.org/drawingml/2006/diagram" xmlns:c="http://schemas.openxmlformats.org/drawingml/2006/chart" xmlns="">
+    <mc:Fallback xmlns="" xmlns:c="http://schemas.openxmlformats.org/drawingml/2006/chart" xmlns:dgm="http://schemas.openxmlformats.org/drawingml/2006/diagram" xmlns:dsp="http://schemas.microsoft.com/office/drawing/2008/diagram">
       <p:transition/>
     </mc:Fallback>
   </mc:AlternateContent>
 </p:sld>
 </file>
 
-<file path=ppt/slides/slide12.xml><?xml version="1.0" encoding="utf-8"?>
+<file path=ppt/slides/slide13.xml><?xml version="1.0" encoding="utf-8"?>
 <p:sld xmlns:a="http://schemas.openxmlformats.org/drawingml/2006/main" xmlns:r="http://schemas.openxmlformats.org/officeDocument/2006/relationships" xmlns:p="http://schemas.openxmlformats.org/presentationml/2006/main">
   <p:cSld>
     <p:bg>
@@ -33532,14 +33846,14 @@
     <mc:Choice Requires="p14">
       <p:transition/>
     </mc:Choice>
-    <mc:Fallback xmlns:dsp="http://schemas.microsoft.com/office/drawing/2008/diagram" xmlns:dgm="http://schemas.openxmlformats.org/drawingml/2006/diagram" xmlns:c="http://schemas.openxmlformats.org/drawingml/2006/chart" xmlns="">
+    <mc:Fallback xmlns="" xmlns:c="http://schemas.openxmlformats.org/drawingml/2006/chart" xmlns:dgm="http://schemas.openxmlformats.org/drawingml/2006/diagram" xmlns:dsp="http://schemas.microsoft.com/office/drawing/2008/diagram">
       <p:transition/>
     </mc:Fallback>
   </mc:AlternateContent>
 </p:sld>
 </file>
 
-<file path=ppt/slides/slide13.xml><?xml version="1.0" encoding="utf-8"?>
+<file path=ppt/slides/slide14.xml><?xml version="1.0" encoding="utf-8"?>
 <p:sld xmlns:a="http://schemas.openxmlformats.org/drawingml/2006/main" xmlns:r="http://schemas.openxmlformats.org/officeDocument/2006/relationships" xmlns:p="http://schemas.openxmlformats.org/presentationml/2006/main">
   <p:cSld>
     <p:bg>
@@ -33704,14 +34018,14 @@
     <mc:Choice Requires="p14">
       <p:transition/>
     </mc:Choice>
-    <mc:Fallback xmlns:dsp="http://schemas.microsoft.com/office/drawing/2008/diagram" xmlns:dgm="http://schemas.openxmlformats.org/drawingml/2006/diagram" xmlns:c="http://schemas.openxmlformats.org/drawingml/2006/chart" xmlns="">
+    <mc:Fallback xmlns="" xmlns:c="http://schemas.openxmlformats.org/drawingml/2006/chart" xmlns:dgm="http://schemas.openxmlformats.org/drawingml/2006/diagram" xmlns:dsp="http://schemas.microsoft.com/office/drawing/2008/diagram">
       <p:transition/>
     </mc:Fallback>
   </mc:AlternateContent>
 </p:sld>
 </file>
 
-<file path=ppt/slides/slide14.xml><?xml version="1.0" encoding="utf-8"?>
+<file path=ppt/slides/slide15.xml><?xml version="1.0" encoding="utf-8"?>
 <p:sld xmlns:a="http://schemas.openxmlformats.org/drawingml/2006/main" xmlns:r="http://schemas.openxmlformats.org/officeDocument/2006/relationships" xmlns:p="http://schemas.openxmlformats.org/presentationml/2006/main">
   <p:cSld>
     <p:bg>
@@ -34124,7 +34438,7 @@
     <mc:Choice Requires="p14">
       <p:transition/>
     </mc:Choice>
-    <mc:Fallback xmlns="" xmlns:c="http://schemas.openxmlformats.org/drawingml/2006/chart" xmlns:dgm="http://schemas.openxmlformats.org/drawingml/2006/diagram" xmlns:dsp="http://schemas.microsoft.com/office/drawing/2008/diagram">
+    <mc:Fallback xmlns:dsp="http://schemas.microsoft.com/office/drawing/2008/diagram" xmlns:dgm="http://schemas.openxmlformats.org/drawingml/2006/diagram" xmlns:c="http://schemas.openxmlformats.org/drawingml/2006/chart" xmlns="">
       <p:transition/>
     </mc:Fallback>
   </mc:AlternateContent>
@@ -34255,7 +34569,7 @@
 </p:sld>
 </file>
 
-<file path=ppt/slides/slide15.xml><?xml version="1.0" encoding="utf-8"?>
+<file path=ppt/slides/slide16.xml><?xml version="1.0" encoding="utf-8"?>
 <p:sld xmlns:a="http://schemas.openxmlformats.org/drawingml/2006/main" xmlns:r="http://schemas.openxmlformats.org/officeDocument/2006/relationships" xmlns:p="http://schemas.openxmlformats.org/presentationml/2006/main">
   <p:cSld>
     <p:bg>
@@ -34859,7 +35173,7 @@
     <mc:Choice Requires="p14">
       <p:transition/>
     </mc:Choice>
-    <mc:Fallback xmlns="" xmlns:c="http://schemas.openxmlformats.org/drawingml/2006/chart" xmlns:dgm="http://schemas.openxmlformats.org/drawingml/2006/diagram" xmlns:dsp="http://schemas.microsoft.com/office/drawing/2008/diagram">
+    <mc:Fallback xmlns:dsp="http://schemas.microsoft.com/office/drawing/2008/diagram" xmlns:dgm="http://schemas.openxmlformats.org/drawingml/2006/diagram" xmlns:c="http://schemas.openxmlformats.org/drawingml/2006/chart" xmlns="">
       <p:transition/>
     </mc:Fallback>
   </mc:AlternateContent>
@@ -34990,7 +35304,7 @@
 </p:sld>
 </file>
 
-<file path=ppt/slides/slide16.xml><?xml version="1.0" encoding="utf-8"?>
+<file path=ppt/slides/slide17.xml><?xml version="1.0" encoding="utf-8"?>
 <p:sld xmlns:a="http://schemas.openxmlformats.org/drawingml/2006/main" xmlns:r="http://schemas.openxmlformats.org/officeDocument/2006/relationships" xmlns:p="http://schemas.openxmlformats.org/presentationml/2006/main">
   <p:cSld>
     <p:bg>
@@ -35514,7 +35828,7 @@
     <mc:Choice Requires="p14">
       <p:transition/>
     </mc:Choice>
-    <mc:Fallback xmlns="" xmlns:c="http://schemas.openxmlformats.org/drawingml/2006/chart" xmlns:dgm="http://schemas.openxmlformats.org/drawingml/2006/diagram" xmlns:dsp="http://schemas.microsoft.com/office/drawing/2008/diagram">
+    <mc:Fallback xmlns:dsp="http://schemas.microsoft.com/office/drawing/2008/diagram" xmlns:dgm="http://schemas.openxmlformats.org/drawingml/2006/diagram" xmlns:c="http://schemas.openxmlformats.org/drawingml/2006/chart" xmlns="">
       <p:transition/>
     </mc:Fallback>
   </mc:AlternateContent>
@@ -35645,7 +35959,7 @@
 </p:sld>
 </file>
 
-<file path=ppt/slides/slide17.xml><?xml version="1.0" encoding="utf-8"?>
+<file path=ppt/slides/slide18.xml><?xml version="1.0" encoding="utf-8"?>
 <p:sld xmlns:a="http://schemas.openxmlformats.org/drawingml/2006/main" xmlns:r="http://schemas.openxmlformats.org/officeDocument/2006/relationships" xmlns:p="http://schemas.openxmlformats.org/presentationml/2006/main">
   <p:cSld>
     <p:bg>
@@ -35817,7 +36131,7 @@
     <mc:Choice Requires="p14">
       <p:transition/>
     </mc:Choice>
-    <mc:Fallback xmlns:dsp="http://schemas.microsoft.com/office/drawing/2008/diagram" xmlns:dgm="http://schemas.openxmlformats.org/drawingml/2006/diagram" xmlns:c="http://schemas.openxmlformats.org/drawingml/2006/chart" xmlns="">
+    <mc:Fallback xmlns="" xmlns:c="http://schemas.openxmlformats.org/drawingml/2006/chart" xmlns:dgm="http://schemas.openxmlformats.org/drawingml/2006/diagram" xmlns:dsp="http://schemas.microsoft.com/office/drawing/2008/diagram">
       <p:transition/>
     </mc:Fallback>
   </mc:AlternateContent>
@@ -36133,9 +36447,12 @@
                 <a:ea typeface="바탕"/>
                 <a:cs typeface="Arial"/>
               </a:rPr>
-              <a:t>데이터 분석</a:t>
+              <a:t>평균 중심지수 구하기</a:t>
             </a:r>
             <a:endParaRPr kumimoji="0" lang="en-US" altLang="ko-KR" sz="2700" b="1" dirty="0">
+              <a:solidFill>
+                <a:schemeClr val="tx1"/>
+              </a:solidFill>
               <a:latin typeface="Candara"/>
               <a:ea typeface="바탕"/>
               <a:cs typeface="Arial"/>
@@ -36162,7 +36479,7 @@
                 <a:ea typeface="바탕"/>
                 <a:cs typeface="Arial"/>
               </a:rPr>
-              <a:t>결론</a:t>
+              <a:t>결과</a:t>
             </a:r>
             <a:endParaRPr kumimoji="0" lang="en-US" altLang="ko-KR" sz="2700" b="1" dirty="0">
               <a:latin typeface="Candara"/>
@@ -36213,7 +36530,7 @@
     <mc:Choice Requires="p14">
       <p:transition/>
     </mc:Choice>
-    <mc:Fallback xmlns:dsp="http://schemas.microsoft.com/office/drawing/2008/diagram" xmlns:dgm="http://schemas.openxmlformats.org/drawingml/2006/diagram" xmlns:c="http://schemas.openxmlformats.org/drawingml/2006/chart" xmlns="">
+    <mc:Fallback xmlns="" xmlns:c="http://schemas.openxmlformats.org/drawingml/2006/chart" xmlns:dgm="http://schemas.openxmlformats.org/drawingml/2006/diagram" xmlns:dsp="http://schemas.microsoft.com/office/drawing/2008/diagram">
       <p:transition/>
     </mc:Fallback>
   </mc:AlternateContent>
@@ -36444,7 +36761,7 @@
     <mc:Choice Requires="p14">
       <p:transition/>
     </mc:Choice>
-    <mc:Fallback xmlns="" xmlns:c="http://schemas.openxmlformats.org/drawingml/2006/chart" xmlns:dgm="http://schemas.openxmlformats.org/drawingml/2006/diagram" xmlns:dsp="http://schemas.microsoft.com/office/drawing/2008/diagram">
+    <mc:Fallback xmlns:dsp="http://schemas.microsoft.com/office/drawing/2008/diagram" xmlns:dgm="http://schemas.openxmlformats.org/drawingml/2006/diagram" xmlns:c="http://schemas.openxmlformats.org/drawingml/2006/chart" xmlns="">
       <p:transition/>
     </mc:Fallback>
   </mc:AlternateContent>
@@ -37182,7 +37499,7 @@
     <mc:Choice Requires="p14">
       <p:transition/>
     </mc:Choice>
-    <mc:Fallback xmlns="" xmlns:c="http://schemas.openxmlformats.org/drawingml/2006/chart" xmlns:dgm="http://schemas.openxmlformats.org/drawingml/2006/diagram" xmlns:dsp="http://schemas.microsoft.com/office/drawing/2008/diagram">
+    <mc:Fallback xmlns:dsp="http://schemas.microsoft.com/office/drawing/2008/diagram" xmlns:dgm="http://schemas.openxmlformats.org/drawingml/2006/diagram" xmlns:c="http://schemas.openxmlformats.org/drawingml/2006/chart" xmlns="">
       <p:transition/>
     </mc:Fallback>
   </mc:AlternateContent>
@@ -37498,6 +37815,2646 @@
 </file>
 
 <file path=ppt/slides/slide5.xml><?xml version="1.0" encoding="utf-8"?>
+<p:sld xmlns:a="http://schemas.openxmlformats.org/drawingml/2006/main" xmlns:r="http://schemas.openxmlformats.org/officeDocument/2006/relationships" xmlns:p="http://schemas.openxmlformats.org/presentationml/2006/main">
+  <p:cSld>
+    <p:bg>
+      <p:bgPr>
+        <a:blipFill rotWithShape="1">
+          <a:blip r:embed="rId2">
+            <a:alphaModFix/>
+            <a:lum/>
+          </a:blip>
+          <a:tile tx="0" ty="0" sx="100000" sy="100000" flip="none" algn="ctr"/>
+        </a:blipFill>
+        <a:effectLst/>
+      </p:bgPr>
+    </p:bg>
+    <p:spTree>
+      <p:nvGrpSpPr>
+        <p:cNvPr id="1" name=""/>
+        <p:cNvGrpSpPr/>
+        <p:nvPr/>
+      </p:nvGrpSpPr>
+      <p:grpSpPr>
+        <a:xfrm>
+          <a:off x="0" y="0"/>
+          <a:ext cx="0" cy="0"/>
+          <a:chOff x="0" y="0"/>
+          <a:chExt cx="0" cy="0"/>
+        </a:xfrm>
+      </p:grpSpPr>
+      <p:sp>
+        <p:nvSpPr>
+          <p:cNvPr id="25" name="TextBox 24"/>
+          <p:cNvSpPr txBox="1"/>
+          <p:nvPr/>
+        </p:nvSpPr>
+        <p:spPr>
+          <a:xfrm>
+            <a:off x="1135907" y="520835"/>
+            <a:ext cx="6373643" cy="689042"/>
+          </a:xfrm>
+          <a:prstGeom prst="rect">
+            <a:avLst/>
+          </a:prstGeom>
+        </p:spPr>
+        <p:txBody>
+          <a:bodyPr wrap="square"/>
+          <a:lstStyle/>
+          <a:p>
+            <a:pPr marL="0" marR="0" lvl="0" indent="0" algn="l" defTabSz="914400" rtl="0" eaLnBrk="0" fontAlgn="base" latinLnBrk="0" hangingPunct="0">
+              <a:lnSpc>
+                <a:spcPct val="100000"/>
+              </a:lnSpc>
+              <a:spcBef>
+                <a:spcPct val="0"/>
+              </a:spcBef>
+              <a:spcAft>
+                <a:spcPct val="0"/>
+              </a:spcAft>
+              <a:buClrTx/>
+              <a:buSzTx/>
+              <a:buFontTx/>
+              <a:buNone/>
+              <a:tabLst/>
+              <a:defRPr/>
+            </a:pPr>
+            <a:r>
+              <a:rPr lang="ko-KR" altLang="en-US" sz="3600" b="1" dirty="0">
+                <a:solidFill>
+                  <a:prstClr val="black"/>
+                </a:solidFill>
+                <a:latin typeface="한컴 고딕"/>
+                <a:ea typeface="한컴 고딕"/>
+              </a:rPr>
+              <a:t>프로젝트 </a:t>
+            </a:r>
+            <a:r>
+              <a:rPr lang="en-US" altLang="ko-KR" sz="3600" b="1" dirty="0">
+                <a:solidFill>
+                  <a:prstClr val="black"/>
+                </a:solidFill>
+                <a:latin typeface="한컴 고딕"/>
+                <a:ea typeface="한컴 고딕"/>
+              </a:rPr>
+              <a:t>review</a:t>
+            </a:r>
+            <a:endParaRPr kumimoji="1" lang="ko-KR" altLang="en-US" sz="3600" b="1" i="0" u="none" strike="noStrike" kern="1200" cap="none" spc="0" normalizeH="0" baseline="0" noProof="0" dirty="0">
+              <a:ln>
+                <a:noFill/>
+              </a:ln>
+              <a:solidFill>
+                <a:prstClr val="black"/>
+              </a:solidFill>
+              <a:effectLst/>
+              <a:uLnTx/>
+              <a:uFillTx/>
+              <a:latin typeface="한컴 고딕"/>
+              <a:ea typeface="한컴 고딕"/>
+              <a:cs typeface="+mn-cs"/>
+            </a:endParaRPr>
+          </a:p>
+        </p:txBody>
+      </p:sp>
+      <p:sp>
+        <p:nvSpPr>
+          <p:cNvPr id="3" name="타원 2">
+            <a:extLst>
+              <a:ext uri="{FF2B5EF4-FFF2-40B4-BE49-F238E27FC236}">
+                <a16:creationId xmlns:a16="http://schemas.microsoft.com/office/drawing/2014/main" id="{B6F18D8A-692A-4838-AABB-F854A2DF0202}"/>
+              </a:ext>
+            </a:extLst>
+          </p:cNvPr>
+          <p:cNvSpPr/>
+          <p:nvPr/>
+        </p:nvSpPr>
+        <p:spPr>
+          <a:xfrm>
+            <a:off x="2997694" y="2188659"/>
+            <a:ext cx="754602" cy="754602"/>
+          </a:xfrm>
+          <a:prstGeom prst="ellipse">
+            <a:avLst/>
+          </a:prstGeom>
+          <a:ln>
+            <a:noFill/>
+          </a:ln>
+        </p:spPr>
+        <p:style>
+          <a:lnRef idx="2">
+            <a:schemeClr val="accent1">
+              <a:shade val="50000"/>
+            </a:schemeClr>
+          </a:lnRef>
+          <a:fillRef idx="1">
+            <a:schemeClr val="accent1"/>
+          </a:fillRef>
+          <a:effectRef idx="0">
+            <a:schemeClr val="accent1"/>
+          </a:effectRef>
+          <a:fontRef idx="minor">
+            <a:schemeClr val="lt1"/>
+          </a:fontRef>
+        </p:style>
+        <p:txBody>
+          <a:bodyPr rtlCol="0" anchor="ctr"/>
+          <a:lstStyle/>
+          <a:p>
+            <a:pPr algn="ctr"/>
+            <a:endParaRPr lang="ko-KR" altLang="en-US"/>
+          </a:p>
+        </p:txBody>
+      </p:sp>
+      <p:sp>
+        <p:nvSpPr>
+          <p:cNvPr id="12" name="타원 11">
+            <a:extLst>
+              <a:ext uri="{FF2B5EF4-FFF2-40B4-BE49-F238E27FC236}">
+                <a16:creationId xmlns:a16="http://schemas.microsoft.com/office/drawing/2014/main" id="{EF27B5AF-5FB4-41D0-AF99-79CFE2FB2444}"/>
+              </a:ext>
+            </a:extLst>
+          </p:cNvPr>
+          <p:cNvSpPr/>
+          <p:nvPr/>
+        </p:nvSpPr>
+        <p:spPr>
+          <a:xfrm>
+            <a:off x="4404107" y="2039219"/>
+            <a:ext cx="754602" cy="754602"/>
+          </a:xfrm>
+          <a:prstGeom prst="ellipse">
+            <a:avLst/>
+          </a:prstGeom>
+          <a:ln>
+            <a:noFill/>
+          </a:ln>
+        </p:spPr>
+        <p:style>
+          <a:lnRef idx="2">
+            <a:schemeClr val="accent1">
+              <a:shade val="50000"/>
+            </a:schemeClr>
+          </a:lnRef>
+          <a:fillRef idx="1">
+            <a:schemeClr val="accent1"/>
+          </a:fillRef>
+          <a:effectRef idx="0">
+            <a:schemeClr val="accent1"/>
+          </a:effectRef>
+          <a:fontRef idx="minor">
+            <a:schemeClr val="lt1"/>
+          </a:fontRef>
+        </p:style>
+        <p:txBody>
+          <a:bodyPr rtlCol="0" anchor="ctr"/>
+          <a:lstStyle/>
+          <a:p>
+            <a:pPr algn="ctr"/>
+            <a:endParaRPr lang="ko-KR" altLang="en-US"/>
+          </a:p>
+        </p:txBody>
+      </p:sp>
+      <p:sp>
+        <p:nvSpPr>
+          <p:cNvPr id="13" name="타원 12">
+            <a:extLst>
+              <a:ext uri="{FF2B5EF4-FFF2-40B4-BE49-F238E27FC236}">
+                <a16:creationId xmlns:a16="http://schemas.microsoft.com/office/drawing/2014/main" id="{074BCFB5-4B65-4634-AF12-8AD3880A61CE}"/>
+              </a:ext>
+            </a:extLst>
+          </p:cNvPr>
+          <p:cNvSpPr/>
+          <p:nvPr/>
+        </p:nvSpPr>
+        <p:spPr>
+          <a:xfrm>
+            <a:off x="2324471" y="3610566"/>
+            <a:ext cx="754602" cy="754602"/>
+          </a:xfrm>
+          <a:prstGeom prst="ellipse">
+            <a:avLst/>
+          </a:prstGeom>
+          <a:ln>
+            <a:noFill/>
+          </a:ln>
+        </p:spPr>
+        <p:style>
+          <a:lnRef idx="2">
+            <a:schemeClr val="accent1">
+              <a:shade val="50000"/>
+            </a:schemeClr>
+          </a:lnRef>
+          <a:fillRef idx="1">
+            <a:schemeClr val="accent1"/>
+          </a:fillRef>
+          <a:effectRef idx="0">
+            <a:schemeClr val="accent1"/>
+          </a:effectRef>
+          <a:fontRef idx="minor">
+            <a:schemeClr val="lt1"/>
+          </a:fontRef>
+        </p:style>
+        <p:txBody>
+          <a:bodyPr rtlCol="0" anchor="ctr"/>
+          <a:lstStyle/>
+          <a:p>
+            <a:pPr algn="ctr"/>
+            <a:endParaRPr lang="ko-KR" altLang="en-US"/>
+          </a:p>
+        </p:txBody>
+      </p:sp>
+      <p:sp>
+        <p:nvSpPr>
+          <p:cNvPr id="14" name="타원 13">
+            <a:extLst>
+              <a:ext uri="{FF2B5EF4-FFF2-40B4-BE49-F238E27FC236}">
+                <a16:creationId xmlns:a16="http://schemas.microsoft.com/office/drawing/2014/main" id="{BAADA389-F20B-48D5-943E-CAE3B8BE5760}"/>
+              </a:ext>
+            </a:extLst>
+          </p:cNvPr>
+          <p:cNvSpPr/>
+          <p:nvPr/>
+        </p:nvSpPr>
+        <p:spPr>
+          <a:xfrm>
+            <a:off x="1569869" y="1982030"/>
+            <a:ext cx="754602" cy="754602"/>
+          </a:xfrm>
+          <a:prstGeom prst="ellipse">
+            <a:avLst/>
+          </a:prstGeom>
+          <a:ln>
+            <a:noFill/>
+          </a:ln>
+        </p:spPr>
+        <p:style>
+          <a:lnRef idx="2">
+            <a:schemeClr val="accent1">
+              <a:shade val="50000"/>
+            </a:schemeClr>
+          </a:lnRef>
+          <a:fillRef idx="1">
+            <a:schemeClr val="accent1"/>
+          </a:fillRef>
+          <a:effectRef idx="0">
+            <a:schemeClr val="accent1"/>
+          </a:effectRef>
+          <a:fontRef idx="minor">
+            <a:schemeClr val="lt1"/>
+          </a:fontRef>
+        </p:style>
+        <p:txBody>
+          <a:bodyPr rtlCol="0" anchor="ctr"/>
+          <a:lstStyle/>
+          <a:p>
+            <a:pPr algn="ctr"/>
+            <a:endParaRPr lang="ko-KR" altLang="en-US"/>
+          </a:p>
+        </p:txBody>
+      </p:sp>
+      <p:cxnSp>
+        <p:nvCxnSpPr>
+          <p:cNvPr id="6" name="직선 연결선 5">
+            <a:extLst>
+              <a:ext uri="{FF2B5EF4-FFF2-40B4-BE49-F238E27FC236}">
+                <a16:creationId xmlns:a16="http://schemas.microsoft.com/office/drawing/2014/main" id="{A9A06453-3012-4A90-8A6D-5B7819BD3F32}"/>
+              </a:ext>
+            </a:extLst>
+          </p:cNvPr>
+          <p:cNvCxnSpPr>
+            <a:stCxn id="14" idx="6"/>
+            <a:endCxn id="3" idx="2"/>
+          </p:cNvCxnSpPr>
+          <p:nvPr/>
+        </p:nvCxnSpPr>
+        <p:spPr>
+          <a:xfrm>
+            <a:off x="2324471" y="2359331"/>
+            <a:ext cx="673223" cy="206629"/>
+          </a:xfrm>
+          <a:prstGeom prst="line">
+            <a:avLst/>
+          </a:prstGeom>
+        </p:spPr>
+        <p:style>
+          <a:lnRef idx="1">
+            <a:schemeClr val="accent1"/>
+          </a:lnRef>
+          <a:fillRef idx="0">
+            <a:schemeClr val="accent1"/>
+          </a:fillRef>
+          <a:effectRef idx="0">
+            <a:schemeClr val="accent1"/>
+          </a:effectRef>
+          <a:fontRef idx="minor">
+            <a:schemeClr val="tx1"/>
+          </a:fontRef>
+        </p:style>
+      </p:cxnSp>
+      <p:cxnSp>
+        <p:nvCxnSpPr>
+          <p:cNvPr id="8" name="직선 연결선 7">
+            <a:extLst>
+              <a:ext uri="{FF2B5EF4-FFF2-40B4-BE49-F238E27FC236}">
+                <a16:creationId xmlns:a16="http://schemas.microsoft.com/office/drawing/2014/main" id="{8CA4450F-CB23-4736-8F8A-231D2F57B3CA}"/>
+              </a:ext>
+            </a:extLst>
+          </p:cNvPr>
+          <p:cNvCxnSpPr>
+            <a:stCxn id="3" idx="6"/>
+            <a:endCxn id="12" idx="2"/>
+          </p:cNvCxnSpPr>
+          <p:nvPr/>
+        </p:nvCxnSpPr>
+        <p:spPr>
+          <a:xfrm flipV="1">
+            <a:off x="3752296" y="2416520"/>
+            <a:ext cx="651811" cy="149440"/>
+          </a:xfrm>
+          <a:prstGeom prst="line">
+            <a:avLst/>
+          </a:prstGeom>
+        </p:spPr>
+        <p:style>
+          <a:lnRef idx="1">
+            <a:schemeClr val="accent1"/>
+          </a:lnRef>
+          <a:fillRef idx="0">
+            <a:schemeClr val="accent1"/>
+          </a:fillRef>
+          <a:effectRef idx="0">
+            <a:schemeClr val="accent1"/>
+          </a:effectRef>
+          <a:fontRef idx="minor">
+            <a:schemeClr val="tx1"/>
+          </a:fontRef>
+        </p:style>
+      </p:cxnSp>
+      <p:cxnSp>
+        <p:nvCxnSpPr>
+          <p:cNvPr id="15" name="직선 연결선 14">
+            <a:extLst>
+              <a:ext uri="{FF2B5EF4-FFF2-40B4-BE49-F238E27FC236}">
+                <a16:creationId xmlns:a16="http://schemas.microsoft.com/office/drawing/2014/main" id="{294D0140-3067-4C05-BF85-CE91EBA05FD1}"/>
+              </a:ext>
+            </a:extLst>
+          </p:cNvPr>
+          <p:cNvCxnSpPr>
+            <a:stCxn id="3" idx="4"/>
+            <a:endCxn id="13" idx="7"/>
+          </p:cNvCxnSpPr>
+          <p:nvPr/>
+        </p:nvCxnSpPr>
+        <p:spPr>
+          <a:xfrm flipH="1">
+            <a:off x="2968564" y="2943261"/>
+            <a:ext cx="406431" cy="777814"/>
+          </a:xfrm>
+          <a:prstGeom prst="line">
+            <a:avLst/>
+          </a:prstGeom>
+        </p:spPr>
+        <p:style>
+          <a:lnRef idx="1">
+            <a:schemeClr val="accent1"/>
+          </a:lnRef>
+          <a:fillRef idx="0">
+            <a:schemeClr val="accent1"/>
+          </a:fillRef>
+          <a:effectRef idx="0">
+            <a:schemeClr val="accent1"/>
+          </a:effectRef>
+          <a:fontRef idx="minor">
+            <a:schemeClr val="tx1"/>
+          </a:fontRef>
+        </p:style>
+      </p:cxnSp>
+      <p:cxnSp>
+        <p:nvCxnSpPr>
+          <p:cNvPr id="17" name="직선 연결선 16">
+            <a:extLst>
+              <a:ext uri="{FF2B5EF4-FFF2-40B4-BE49-F238E27FC236}">
+                <a16:creationId xmlns:a16="http://schemas.microsoft.com/office/drawing/2014/main" id="{3670F37C-AD3A-45E6-8209-7C6A6A6D9284}"/>
+              </a:ext>
+            </a:extLst>
+          </p:cNvPr>
+          <p:cNvCxnSpPr>
+            <a:stCxn id="14" idx="7"/>
+            <a:endCxn id="12" idx="1"/>
+          </p:cNvCxnSpPr>
+          <p:nvPr/>
+        </p:nvCxnSpPr>
+        <p:spPr>
+          <a:xfrm>
+            <a:off x="2213962" y="2092539"/>
+            <a:ext cx="2300654" cy="57189"/>
+          </a:xfrm>
+          <a:prstGeom prst="line">
+            <a:avLst/>
+          </a:prstGeom>
+        </p:spPr>
+        <p:style>
+          <a:lnRef idx="1">
+            <a:schemeClr val="accent1"/>
+          </a:lnRef>
+          <a:fillRef idx="0">
+            <a:schemeClr val="accent1"/>
+          </a:fillRef>
+          <a:effectRef idx="0">
+            <a:schemeClr val="accent1"/>
+          </a:effectRef>
+          <a:fontRef idx="minor">
+            <a:schemeClr val="tx1"/>
+          </a:fontRef>
+        </p:style>
+      </p:cxnSp>
+      <p:sp>
+        <p:nvSpPr>
+          <p:cNvPr id="21" name="타원 20">
+            <a:extLst>
+              <a:ext uri="{FF2B5EF4-FFF2-40B4-BE49-F238E27FC236}">
+                <a16:creationId xmlns:a16="http://schemas.microsoft.com/office/drawing/2014/main" id="{5E391942-A683-4CC7-A222-21C429A6ABEF}"/>
+              </a:ext>
+            </a:extLst>
+          </p:cNvPr>
+          <p:cNvSpPr/>
+          <p:nvPr/>
+        </p:nvSpPr>
+        <p:spPr>
+          <a:xfrm>
+            <a:off x="4586797" y="5094302"/>
+            <a:ext cx="754602" cy="754602"/>
+          </a:xfrm>
+          <a:prstGeom prst="ellipse">
+            <a:avLst/>
+          </a:prstGeom>
+          <a:solidFill>
+            <a:srgbClr val="FF0000"/>
+          </a:solidFill>
+          <a:ln>
+            <a:noFill/>
+          </a:ln>
+        </p:spPr>
+        <p:style>
+          <a:lnRef idx="2">
+            <a:schemeClr val="accent1">
+              <a:shade val="50000"/>
+            </a:schemeClr>
+          </a:lnRef>
+          <a:fillRef idx="1">
+            <a:schemeClr val="accent1"/>
+          </a:fillRef>
+          <a:effectRef idx="0">
+            <a:schemeClr val="accent1"/>
+          </a:effectRef>
+          <a:fontRef idx="minor">
+            <a:schemeClr val="lt1"/>
+          </a:fontRef>
+        </p:style>
+        <p:txBody>
+          <a:bodyPr rtlCol="0" anchor="ctr"/>
+          <a:lstStyle/>
+          <a:p>
+            <a:pPr algn="ctr"/>
+            <a:endParaRPr lang="ko-KR" altLang="en-US"/>
+          </a:p>
+        </p:txBody>
+      </p:sp>
+      <p:sp>
+        <p:nvSpPr>
+          <p:cNvPr id="22" name="타원 21">
+            <a:extLst>
+              <a:ext uri="{FF2B5EF4-FFF2-40B4-BE49-F238E27FC236}">
+                <a16:creationId xmlns:a16="http://schemas.microsoft.com/office/drawing/2014/main" id="{A11FFE88-5101-4A7C-A2BA-3B528AA72E50}"/>
+              </a:ext>
+            </a:extLst>
+          </p:cNvPr>
+          <p:cNvSpPr/>
+          <p:nvPr/>
+        </p:nvSpPr>
+        <p:spPr>
+          <a:xfrm>
+            <a:off x="7244961" y="1209877"/>
+            <a:ext cx="754602" cy="754602"/>
+          </a:xfrm>
+          <a:prstGeom prst="ellipse">
+            <a:avLst/>
+          </a:prstGeom>
+          <a:solidFill>
+            <a:srgbClr val="FFC000"/>
+          </a:solidFill>
+          <a:ln>
+            <a:noFill/>
+          </a:ln>
+        </p:spPr>
+        <p:style>
+          <a:lnRef idx="2">
+            <a:schemeClr val="accent1">
+              <a:shade val="50000"/>
+            </a:schemeClr>
+          </a:lnRef>
+          <a:fillRef idx="1">
+            <a:schemeClr val="accent1"/>
+          </a:fillRef>
+          <a:effectRef idx="0">
+            <a:schemeClr val="accent1"/>
+          </a:effectRef>
+          <a:fontRef idx="minor">
+            <a:schemeClr val="lt1"/>
+          </a:fontRef>
+        </p:style>
+        <p:txBody>
+          <a:bodyPr rtlCol="0" anchor="ctr"/>
+          <a:lstStyle/>
+          <a:p>
+            <a:pPr algn="ctr"/>
+            <a:endParaRPr lang="ko-KR" altLang="en-US"/>
+          </a:p>
+        </p:txBody>
+      </p:sp>
+      <p:sp>
+        <p:nvSpPr>
+          <p:cNvPr id="23" name="타원 22">
+            <a:extLst>
+              <a:ext uri="{FF2B5EF4-FFF2-40B4-BE49-F238E27FC236}">
+                <a16:creationId xmlns:a16="http://schemas.microsoft.com/office/drawing/2014/main" id="{397333BD-E5D3-404D-902E-897943D5CB18}"/>
+              </a:ext>
+            </a:extLst>
+          </p:cNvPr>
+          <p:cNvSpPr/>
+          <p:nvPr/>
+        </p:nvSpPr>
+        <p:spPr>
+          <a:xfrm>
+            <a:off x="6096000" y="3928814"/>
+            <a:ext cx="754602" cy="754602"/>
+          </a:xfrm>
+          <a:prstGeom prst="ellipse">
+            <a:avLst/>
+          </a:prstGeom>
+          <a:solidFill>
+            <a:srgbClr val="FF0000"/>
+          </a:solidFill>
+          <a:ln>
+            <a:noFill/>
+          </a:ln>
+        </p:spPr>
+        <p:style>
+          <a:lnRef idx="2">
+            <a:schemeClr val="accent1">
+              <a:shade val="50000"/>
+            </a:schemeClr>
+          </a:lnRef>
+          <a:fillRef idx="1">
+            <a:schemeClr val="accent1"/>
+          </a:fillRef>
+          <a:effectRef idx="0">
+            <a:schemeClr val="accent1"/>
+          </a:effectRef>
+          <a:fontRef idx="minor">
+            <a:schemeClr val="lt1"/>
+          </a:fontRef>
+        </p:style>
+        <p:txBody>
+          <a:bodyPr rtlCol="0" anchor="ctr"/>
+          <a:lstStyle/>
+          <a:p>
+            <a:pPr algn="ctr"/>
+            <a:endParaRPr lang="ko-KR" altLang="en-US"/>
+          </a:p>
+        </p:txBody>
+      </p:sp>
+      <p:sp>
+        <p:nvSpPr>
+          <p:cNvPr id="24" name="타원 23">
+            <a:extLst>
+              <a:ext uri="{FF2B5EF4-FFF2-40B4-BE49-F238E27FC236}">
+                <a16:creationId xmlns:a16="http://schemas.microsoft.com/office/drawing/2014/main" id="{270E1F19-2165-4221-9D29-6F8AFCA8569F}"/>
+              </a:ext>
+            </a:extLst>
+          </p:cNvPr>
+          <p:cNvSpPr/>
+          <p:nvPr/>
+        </p:nvSpPr>
+        <p:spPr>
+          <a:xfrm>
+            <a:off x="6377826" y="5175472"/>
+            <a:ext cx="754602" cy="754602"/>
+          </a:xfrm>
+          <a:prstGeom prst="ellipse">
+            <a:avLst/>
+          </a:prstGeom>
+          <a:solidFill>
+            <a:srgbClr val="FF0000"/>
+          </a:solidFill>
+          <a:ln>
+            <a:noFill/>
+          </a:ln>
+        </p:spPr>
+        <p:style>
+          <a:lnRef idx="2">
+            <a:schemeClr val="accent1">
+              <a:shade val="50000"/>
+            </a:schemeClr>
+          </a:lnRef>
+          <a:fillRef idx="1">
+            <a:schemeClr val="accent1"/>
+          </a:fillRef>
+          <a:effectRef idx="0">
+            <a:schemeClr val="accent1"/>
+          </a:effectRef>
+          <a:fontRef idx="minor">
+            <a:schemeClr val="lt1"/>
+          </a:fontRef>
+        </p:style>
+        <p:txBody>
+          <a:bodyPr rtlCol="0" anchor="ctr"/>
+          <a:lstStyle/>
+          <a:p>
+            <a:pPr algn="ctr"/>
+            <a:endParaRPr lang="ko-KR" altLang="en-US"/>
+          </a:p>
+        </p:txBody>
+      </p:sp>
+      <p:sp>
+        <p:nvSpPr>
+          <p:cNvPr id="26" name="타원 25">
+            <a:extLst>
+              <a:ext uri="{FF2B5EF4-FFF2-40B4-BE49-F238E27FC236}">
+                <a16:creationId xmlns:a16="http://schemas.microsoft.com/office/drawing/2014/main" id="{BF75E924-CA5F-4E9A-B33A-4498776956B2}"/>
+              </a:ext>
+            </a:extLst>
+          </p:cNvPr>
+          <p:cNvSpPr/>
+          <p:nvPr/>
+        </p:nvSpPr>
+        <p:spPr>
+          <a:xfrm>
+            <a:off x="7999563" y="3969523"/>
+            <a:ext cx="754602" cy="754602"/>
+          </a:xfrm>
+          <a:prstGeom prst="ellipse">
+            <a:avLst/>
+          </a:prstGeom>
+          <a:solidFill>
+            <a:srgbClr val="FF0000"/>
+          </a:solidFill>
+          <a:ln>
+            <a:noFill/>
+          </a:ln>
+        </p:spPr>
+        <p:style>
+          <a:lnRef idx="2">
+            <a:schemeClr val="accent1">
+              <a:shade val="50000"/>
+            </a:schemeClr>
+          </a:lnRef>
+          <a:fillRef idx="1">
+            <a:schemeClr val="accent1"/>
+          </a:fillRef>
+          <a:effectRef idx="0">
+            <a:schemeClr val="accent1"/>
+          </a:effectRef>
+          <a:fontRef idx="minor">
+            <a:schemeClr val="lt1"/>
+          </a:fontRef>
+        </p:style>
+        <p:txBody>
+          <a:bodyPr rtlCol="0" anchor="ctr"/>
+          <a:lstStyle/>
+          <a:p>
+            <a:pPr algn="ctr"/>
+            <a:endParaRPr lang="ko-KR" altLang="en-US"/>
+          </a:p>
+        </p:txBody>
+      </p:sp>
+      <p:sp>
+        <p:nvSpPr>
+          <p:cNvPr id="27" name="타원 26">
+            <a:extLst>
+              <a:ext uri="{FF2B5EF4-FFF2-40B4-BE49-F238E27FC236}">
+                <a16:creationId xmlns:a16="http://schemas.microsoft.com/office/drawing/2014/main" id="{247F22EF-2ACD-4FDE-B2E9-0DC69AAE2FEF}"/>
+              </a:ext>
+            </a:extLst>
+          </p:cNvPr>
+          <p:cNvSpPr/>
+          <p:nvPr/>
+        </p:nvSpPr>
+        <p:spPr>
+          <a:xfrm>
+            <a:off x="9025369" y="787154"/>
+            <a:ext cx="754602" cy="754602"/>
+          </a:xfrm>
+          <a:prstGeom prst="ellipse">
+            <a:avLst/>
+          </a:prstGeom>
+          <a:solidFill>
+            <a:srgbClr val="FFC000"/>
+          </a:solidFill>
+          <a:ln>
+            <a:noFill/>
+          </a:ln>
+        </p:spPr>
+        <p:style>
+          <a:lnRef idx="2">
+            <a:schemeClr val="accent1">
+              <a:shade val="50000"/>
+            </a:schemeClr>
+          </a:lnRef>
+          <a:fillRef idx="1">
+            <a:schemeClr val="accent1"/>
+          </a:fillRef>
+          <a:effectRef idx="0">
+            <a:schemeClr val="accent1"/>
+          </a:effectRef>
+          <a:fontRef idx="minor">
+            <a:schemeClr val="lt1"/>
+          </a:fontRef>
+        </p:style>
+        <p:txBody>
+          <a:bodyPr rtlCol="0" anchor="ctr"/>
+          <a:lstStyle/>
+          <a:p>
+            <a:pPr algn="ctr"/>
+            <a:endParaRPr lang="ko-KR" altLang="en-US"/>
+          </a:p>
+        </p:txBody>
+      </p:sp>
+      <p:sp>
+        <p:nvSpPr>
+          <p:cNvPr id="28" name="타원 27">
+            <a:extLst>
+              <a:ext uri="{FF2B5EF4-FFF2-40B4-BE49-F238E27FC236}">
+                <a16:creationId xmlns:a16="http://schemas.microsoft.com/office/drawing/2014/main" id="{88E2B05B-F79F-4F95-AB94-DBF5F916EEE7}"/>
+              </a:ext>
+            </a:extLst>
+          </p:cNvPr>
+          <p:cNvSpPr/>
+          <p:nvPr/>
+        </p:nvSpPr>
+        <p:spPr>
+          <a:xfrm>
+            <a:off x="9194306" y="2203142"/>
+            <a:ext cx="754602" cy="754602"/>
+          </a:xfrm>
+          <a:prstGeom prst="ellipse">
+            <a:avLst/>
+          </a:prstGeom>
+          <a:solidFill>
+            <a:srgbClr val="FFC000"/>
+          </a:solidFill>
+          <a:ln>
+            <a:noFill/>
+          </a:ln>
+        </p:spPr>
+        <p:style>
+          <a:lnRef idx="2">
+            <a:schemeClr val="accent1">
+              <a:shade val="50000"/>
+            </a:schemeClr>
+          </a:lnRef>
+          <a:fillRef idx="1">
+            <a:schemeClr val="accent1"/>
+          </a:fillRef>
+          <a:effectRef idx="0">
+            <a:schemeClr val="accent1"/>
+          </a:effectRef>
+          <a:fontRef idx="minor">
+            <a:schemeClr val="lt1"/>
+          </a:fontRef>
+        </p:style>
+        <p:txBody>
+          <a:bodyPr rtlCol="0" anchor="ctr"/>
+          <a:lstStyle/>
+          <a:p>
+            <a:pPr algn="ctr"/>
+            <a:endParaRPr lang="ko-KR" altLang="en-US"/>
+          </a:p>
+        </p:txBody>
+      </p:sp>
+      <p:cxnSp>
+        <p:nvCxnSpPr>
+          <p:cNvPr id="19" name="직선 연결선 18">
+            <a:extLst>
+              <a:ext uri="{FF2B5EF4-FFF2-40B4-BE49-F238E27FC236}">
+                <a16:creationId xmlns:a16="http://schemas.microsoft.com/office/drawing/2014/main" id="{CBEBC698-B362-4826-87E1-2F7D1C2652DE}"/>
+              </a:ext>
+            </a:extLst>
+          </p:cNvPr>
+          <p:cNvCxnSpPr>
+            <a:stCxn id="22" idx="6"/>
+            <a:endCxn id="27" idx="2"/>
+          </p:cNvCxnSpPr>
+          <p:nvPr/>
+        </p:nvCxnSpPr>
+        <p:spPr>
+          <a:xfrm flipV="1">
+            <a:off x="7999563" y="1164455"/>
+            <a:ext cx="1025806" cy="422723"/>
+          </a:xfrm>
+          <a:prstGeom prst="line">
+            <a:avLst/>
+          </a:prstGeom>
+        </p:spPr>
+        <p:style>
+          <a:lnRef idx="1">
+            <a:schemeClr val="accent1"/>
+          </a:lnRef>
+          <a:fillRef idx="0">
+            <a:schemeClr val="accent1"/>
+          </a:fillRef>
+          <a:effectRef idx="0">
+            <a:schemeClr val="accent1"/>
+          </a:effectRef>
+          <a:fontRef idx="minor">
+            <a:schemeClr val="tx1"/>
+          </a:fontRef>
+        </p:style>
+      </p:cxnSp>
+      <p:cxnSp>
+        <p:nvCxnSpPr>
+          <p:cNvPr id="29" name="직선 연결선 28">
+            <a:extLst>
+              <a:ext uri="{FF2B5EF4-FFF2-40B4-BE49-F238E27FC236}">
+                <a16:creationId xmlns:a16="http://schemas.microsoft.com/office/drawing/2014/main" id="{90725FEF-68C1-4E51-AF64-798EF0785061}"/>
+              </a:ext>
+            </a:extLst>
+          </p:cNvPr>
+          <p:cNvCxnSpPr>
+            <a:stCxn id="22" idx="5"/>
+            <a:endCxn id="28" idx="2"/>
+          </p:cNvCxnSpPr>
+          <p:nvPr/>
+        </p:nvCxnSpPr>
+        <p:spPr>
+          <a:xfrm>
+            <a:off x="7889054" y="1853970"/>
+            <a:ext cx="1305252" cy="726473"/>
+          </a:xfrm>
+          <a:prstGeom prst="line">
+            <a:avLst/>
+          </a:prstGeom>
+        </p:spPr>
+        <p:style>
+          <a:lnRef idx="1">
+            <a:schemeClr val="accent1"/>
+          </a:lnRef>
+          <a:fillRef idx="0">
+            <a:schemeClr val="accent1"/>
+          </a:fillRef>
+          <a:effectRef idx="0">
+            <a:schemeClr val="accent1"/>
+          </a:effectRef>
+          <a:fontRef idx="minor">
+            <a:schemeClr val="tx1"/>
+          </a:fontRef>
+        </p:style>
+      </p:cxnSp>
+      <p:cxnSp>
+        <p:nvCxnSpPr>
+          <p:cNvPr id="33" name="직선 연결선 32">
+            <a:extLst>
+              <a:ext uri="{FF2B5EF4-FFF2-40B4-BE49-F238E27FC236}">
+                <a16:creationId xmlns:a16="http://schemas.microsoft.com/office/drawing/2014/main" id="{0AAAC0B9-520A-410D-9D0B-4D20D6CEBDBC}"/>
+              </a:ext>
+            </a:extLst>
+          </p:cNvPr>
+          <p:cNvCxnSpPr>
+            <a:stCxn id="27" idx="5"/>
+            <a:endCxn id="28" idx="0"/>
+          </p:cNvCxnSpPr>
+          <p:nvPr/>
+        </p:nvCxnSpPr>
+        <p:spPr>
+          <a:xfrm flipH="1">
+            <a:off x="9571607" y="1431247"/>
+            <a:ext cx="97855" cy="771895"/>
+          </a:xfrm>
+          <a:prstGeom prst="line">
+            <a:avLst/>
+          </a:prstGeom>
+        </p:spPr>
+        <p:style>
+          <a:lnRef idx="1">
+            <a:schemeClr val="accent1"/>
+          </a:lnRef>
+          <a:fillRef idx="0">
+            <a:schemeClr val="accent1"/>
+          </a:fillRef>
+          <a:effectRef idx="0">
+            <a:schemeClr val="accent1"/>
+          </a:effectRef>
+          <a:fontRef idx="minor">
+            <a:schemeClr val="tx1"/>
+          </a:fontRef>
+        </p:style>
+      </p:cxnSp>
+      <p:cxnSp>
+        <p:nvCxnSpPr>
+          <p:cNvPr id="35" name="직선 연결선 34">
+            <a:extLst>
+              <a:ext uri="{FF2B5EF4-FFF2-40B4-BE49-F238E27FC236}">
+                <a16:creationId xmlns:a16="http://schemas.microsoft.com/office/drawing/2014/main" id="{B27CEE88-ED05-4EC9-BB16-29BAF18634CA}"/>
+              </a:ext>
+            </a:extLst>
+          </p:cNvPr>
+          <p:cNvCxnSpPr>
+            <a:stCxn id="23" idx="2"/>
+            <a:endCxn id="21" idx="7"/>
+          </p:cNvCxnSpPr>
+          <p:nvPr/>
+        </p:nvCxnSpPr>
+        <p:spPr>
+          <a:xfrm flipH="1">
+            <a:off x="5230890" y="4306115"/>
+            <a:ext cx="865110" cy="898696"/>
+          </a:xfrm>
+          <a:prstGeom prst="line">
+            <a:avLst/>
+          </a:prstGeom>
+        </p:spPr>
+        <p:style>
+          <a:lnRef idx="1">
+            <a:schemeClr val="accent1"/>
+          </a:lnRef>
+          <a:fillRef idx="0">
+            <a:schemeClr val="accent1"/>
+          </a:fillRef>
+          <a:effectRef idx="0">
+            <a:schemeClr val="accent1"/>
+          </a:effectRef>
+          <a:fontRef idx="minor">
+            <a:schemeClr val="tx1"/>
+          </a:fontRef>
+        </p:style>
+      </p:cxnSp>
+      <p:cxnSp>
+        <p:nvCxnSpPr>
+          <p:cNvPr id="37" name="직선 연결선 36">
+            <a:extLst>
+              <a:ext uri="{FF2B5EF4-FFF2-40B4-BE49-F238E27FC236}">
+                <a16:creationId xmlns:a16="http://schemas.microsoft.com/office/drawing/2014/main" id="{6071AEBC-A18D-4C07-B7F7-DBA5EFE02383}"/>
+              </a:ext>
+            </a:extLst>
+          </p:cNvPr>
+          <p:cNvCxnSpPr>
+            <a:stCxn id="24" idx="6"/>
+            <a:endCxn id="26" idx="3"/>
+          </p:cNvCxnSpPr>
+          <p:nvPr/>
+        </p:nvCxnSpPr>
+        <p:spPr>
+          <a:xfrm flipV="1">
+            <a:off x="7132428" y="4613616"/>
+            <a:ext cx="977644" cy="939157"/>
+          </a:xfrm>
+          <a:prstGeom prst="line">
+            <a:avLst/>
+          </a:prstGeom>
+        </p:spPr>
+        <p:style>
+          <a:lnRef idx="1">
+            <a:schemeClr val="accent1"/>
+          </a:lnRef>
+          <a:fillRef idx="0">
+            <a:schemeClr val="accent1"/>
+          </a:fillRef>
+          <a:effectRef idx="0">
+            <a:schemeClr val="accent1"/>
+          </a:effectRef>
+          <a:fontRef idx="minor">
+            <a:schemeClr val="tx1"/>
+          </a:fontRef>
+        </p:style>
+      </p:cxnSp>
+      <p:cxnSp>
+        <p:nvCxnSpPr>
+          <p:cNvPr id="39" name="직선 연결선 38">
+            <a:extLst>
+              <a:ext uri="{FF2B5EF4-FFF2-40B4-BE49-F238E27FC236}">
+                <a16:creationId xmlns:a16="http://schemas.microsoft.com/office/drawing/2014/main" id="{47E67B40-10CD-4F55-A43C-33BE098003C8}"/>
+              </a:ext>
+            </a:extLst>
+          </p:cNvPr>
+          <p:cNvCxnSpPr>
+            <a:stCxn id="23" idx="6"/>
+            <a:endCxn id="26" idx="2"/>
+          </p:cNvCxnSpPr>
+          <p:nvPr/>
+        </p:nvCxnSpPr>
+        <p:spPr>
+          <a:xfrm>
+            <a:off x="6850602" y="4306115"/>
+            <a:ext cx="1148961" cy="40709"/>
+          </a:xfrm>
+          <a:prstGeom prst="line">
+            <a:avLst/>
+          </a:prstGeom>
+        </p:spPr>
+        <p:style>
+          <a:lnRef idx="1">
+            <a:schemeClr val="accent1"/>
+          </a:lnRef>
+          <a:fillRef idx="0">
+            <a:schemeClr val="accent1"/>
+          </a:fillRef>
+          <a:effectRef idx="0">
+            <a:schemeClr val="accent1"/>
+          </a:effectRef>
+          <a:fontRef idx="minor">
+            <a:schemeClr val="tx1"/>
+          </a:fontRef>
+        </p:style>
+      </p:cxnSp>
+      <p:cxnSp>
+        <p:nvCxnSpPr>
+          <p:cNvPr id="41" name="직선 연결선 40">
+            <a:extLst>
+              <a:ext uri="{FF2B5EF4-FFF2-40B4-BE49-F238E27FC236}">
+                <a16:creationId xmlns:a16="http://schemas.microsoft.com/office/drawing/2014/main" id="{B9DCBA06-1CCB-400B-AA47-280B461BAAC1}"/>
+              </a:ext>
+            </a:extLst>
+          </p:cNvPr>
+          <p:cNvCxnSpPr>
+            <a:stCxn id="13" idx="5"/>
+            <a:endCxn id="21" idx="1"/>
+          </p:cNvCxnSpPr>
+          <p:nvPr/>
+        </p:nvCxnSpPr>
+        <p:spPr>
+          <a:xfrm>
+            <a:off x="2968564" y="4254659"/>
+            <a:ext cx="1728742" cy="950152"/>
+          </a:xfrm>
+          <a:prstGeom prst="line">
+            <a:avLst/>
+          </a:prstGeom>
+        </p:spPr>
+        <p:style>
+          <a:lnRef idx="1">
+            <a:schemeClr val="accent2"/>
+          </a:lnRef>
+          <a:fillRef idx="0">
+            <a:schemeClr val="accent2"/>
+          </a:fillRef>
+          <a:effectRef idx="0">
+            <a:schemeClr val="accent2"/>
+          </a:effectRef>
+          <a:fontRef idx="minor">
+            <a:schemeClr val="tx1"/>
+          </a:fontRef>
+        </p:style>
+      </p:cxnSp>
+      <p:cxnSp>
+        <p:nvCxnSpPr>
+          <p:cNvPr id="43" name="직선 연결선 42">
+            <a:extLst>
+              <a:ext uri="{FF2B5EF4-FFF2-40B4-BE49-F238E27FC236}">
+                <a16:creationId xmlns:a16="http://schemas.microsoft.com/office/drawing/2014/main" id="{795B4689-2734-4CFB-B48F-1848694A32CC}"/>
+              </a:ext>
+            </a:extLst>
+          </p:cNvPr>
+          <p:cNvCxnSpPr>
+            <a:stCxn id="12" idx="7"/>
+            <a:endCxn id="22" idx="2"/>
+          </p:cNvCxnSpPr>
+          <p:nvPr/>
+        </p:nvCxnSpPr>
+        <p:spPr>
+          <a:xfrm flipV="1">
+            <a:off x="5048200" y="1587178"/>
+            <a:ext cx="2196761" cy="562550"/>
+          </a:xfrm>
+          <a:prstGeom prst="line">
+            <a:avLst/>
+          </a:prstGeom>
+        </p:spPr>
+        <p:style>
+          <a:lnRef idx="1">
+            <a:schemeClr val="accent2"/>
+          </a:lnRef>
+          <a:fillRef idx="0">
+            <a:schemeClr val="accent2"/>
+          </a:fillRef>
+          <a:effectRef idx="0">
+            <a:schemeClr val="accent2"/>
+          </a:effectRef>
+          <a:fontRef idx="minor">
+            <a:schemeClr val="tx1"/>
+          </a:fontRef>
+        </p:style>
+      </p:cxnSp>
+      <p:cxnSp>
+        <p:nvCxnSpPr>
+          <p:cNvPr id="45" name="직선 연결선 44">
+            <a:extLst>
+              <a:ext uri="{FF2B5EF4-FFF2-40B4-BE49-F238E27FC236}">
+                <a16:creationId xmlns:a16="http://schemas.microsoft.com/office/drawing/2014/main" id="{6569567F-11DA-4704-BAEE-CA2341B51FDA}"/>
+              </a:ext>
+            </a:extLst>
+          </p:cNvPr>
+          <p:cNvCxnSpPr>
+            <a:cxnSpLocks/>
+            <a:stCxn id="3" idx="5"/>
+            <a:endCxn id="26" idx="1"/>
+          </p:cNvCxnSpPr>
+          <p:nvPr/>
+        </p:nvCxnSpPr>
+        <p:spPr>
+          <a:xfrm>
+            <a:off x="3641787" y="2832752"/>
+            <a:ext cx="4468285" cy="1247280"/>
+          </a:xfrm>
+          <a:prstGeom prst="line">
+            <a:avLst/>
+          </a:prstGeom>
+        </p:spPr>
+        <p:style>
+          <a:lnRef idx="1">
+            <a:schemeClr val="accent2"/>
+          </a:lnRef>
+          <a:fillRef idx="0">
+            <a:schemeClr val="accent2"/>
+          </a:fillRef>
+          <a:effectRef idx="0">
+            <a:schemeClr val="accent2"/>
+          </a:effectRef>
+          <a:fontRef idx="minor">
+            <a:schemeClr val="tx1"/>
+          </a:fontRef>
+        </p:style>
+      </p:cxnSp>
+      <p:cxnSp>
+        <p:nvCxnSpPr>
+          <p:cNvPr id="47" name="직선 연결선 46">
+            <a:extLst>
+              <a:ext uri="{FF2B5EF4-FFF2-40B4-BE49-F238E27FC236}">
+                <a16:creationId xmlns:a16="http://schemas.microsoft.com/office/drawing/2014/main" id="{FCCF32F2-641E-4B1F-A6C0-9E6B3B7A4620}"/>
+              </a:ext>
+            </a:extLst>
+          </p:cNvPr>
+          <p:cNvCxnSpPr>
+            <a:stCxn id="22" idx="3"/>
+            <a:endCxn id="23" idx="0"/>
+          </p:cNvCxnSpPr>
+          <p:nvPr/>
+        </p:nvCxnSpPr>
+        <p:spPr>
+          <a:xfrm flipH="1">
+            <a:off x="6473301" y="1853970"/>
+            <a:ext cx="882169" cy="2074844"/>
+          </a:xfrm>
+          <a:prstGeom prst="line">
+            <a:avLst/>
+          </a:prstGeom>
+        </p:spPr>
+        <p:style>
+          <a:lnRef idx="1">
+            <a:schemeClr val="accent2"/>
+          </a:lnRef>
+          <a:fillRef idx="0">
+            <a:schemeClr val="accent2"/>
+          </a:fillRef>
+          <a:effectRef idx="0">
+            <a:schemeClr val="accent2"/>
+          </a:effectRef>
+          <a:fontRef idx="minor">
+            <a:schemeClr val="tx1"/>
+          </a:fontRef>
+        </p:style>
+      </p:cxnSp>
+      <p:sp>
+        <p:nvSpPr>
+          <p:cNvPr id="48" name="타원 47">
+            <a:extLst>
+              <a:ext uri="{FF2B5EF4-FFF2-40B4-BE49-F238E27FC236}">
+                <a16:creationId xmlns:a16="http://schemas.microsoft.com/office/drawing/2014/main" id="{80C04AA4-5DE7-4580-B1A4-E24D09F4557F}"/>
+              </a:ext>
+            </a:extLst>
+          </p:cNvPr>
+          <p:cNvSpPr/>
+          <p:nvPr/>
+        </p:nvSpPr>
+        <p:spPr>
+          <a:xfrm>
+            <a:off x="1404846" y="5172087"/>
+            <a:ext cx="754602" cy="754602"/>
+          </a:xfrm>
+          <a:prstGeom prst="ellipse">
+            <a:avLst/>
+          </a:prstGeom>
+          <a:solidFill>
+            <a:srgbClr val="00B050"/>
+          </a:solidFill>
+          <a:ln>
+            <a:noFill/>
+          </a:ln>
+        </p:spPr>
+        <p:style>
+          <a:lnRef idx="2">
+            <a:schemeClr val="accent1">
+              <a:shade val="50000"/>
+            </a:schemeClr>
+          </a:lnRef>
+          <a:fillRef idx="1">
+            <a:schemeClr val="accent1"/>
+          </a:fillRef>
+          <a:effectRef idx="0">
+            <a:schemeClr val="accent1"/>
+          </a:effectRef>
+          <a:fontRef idx="minor">
+            <a:schemeClr val="lt1"/>
+          </a:fontRef>
+        </p:style>
+        <p:txBody>
+          <a:bodyPr rtlCol="0" anchor="ctr"/>
+          <a:lstStyle/>
+          <a:p>
+            <a:pPr algn="ctr"/>
+            <a:endParaRPr lang="ko-KR" altLang="en-US"/>
+          </a:p>
+        </p:txBody>
+      </p:sp>
+      <p:cxnSp>
+        <p:nvCxnSpPr>
+          <p:cNvPr id="50" name="직선 연결선 49">
+            <a:extLst>
+              <a:ext uri="{FF2B5EF4-FFF2-40B4-BE49-F238E27FC236}">
+                <a16:creationId xmlns:a16="http://schemas.microsoft.com/office/drawing/2014/main" id="{2FD42B02-34F8-4A26-B01B-F185E17519C7}"/>
+              </a:ext>
+            </a:extLst>
+          </p:cNvPr>
+          <p:cNvCxnSpPr>
+            <a:stCxn id="48" idx="6"/>
+            <a:endCxn id="21" idx="3"/>
+          </p:cNvCxnSpPr>
+          <p:nvPr/>
+        </p:nvCxnSpPr>
+        <p:spPr>
+          <a:xfrm>
+            <a:off x="2159448" y="5549388"/>
+            <a:ext cx="2537858" cy="189007"/>
+          </a:xfrm>
+          <a:prstGeom prst="line">
+            <a:avLst/>
+          </a:prstGeom>
+        </p:spPr>
+        <p:style>
+          <a:lnRef idx="1">
+            <a:schemeClr val="accent6"/>
+          </a:lnRef>
+          <a:fillRef idx="0">
+            <a:schemeClr val="accent6"/>
+          </a:fillRef>
+          <a:effectRef idx="0">
+            <a:schemeClr val="accent6"/>
+          </a:effectRef>
+          <a:fontRef idx="minor">
+            <a:schemeClr val="tx1"/>
+          </a:fontRef>
+        </p:style>
+      </p:cxnSp>
+      <p:cxnSp>
+        <p:nvCxnSpPr>
+          <p:cNvPr id="52" name="직선 연결선 51">
+            <a:extLst>
+              <a:ext uri="{FF2B5EF4-FFF2-40B4-BE49-F238E27FC236}">
+                <a16:creationId xmlns:a16="http://schemas.microsoft.com/office/drawing/2014/main" id="{A3D708D8-5AF7-408A-9AC9-22E0ED0CA324}"/>
+              </a:ext>
+            </a:extLst>
+          </p:cNvPr>
+          <p:cNvCxnSpPr>
+            <a:stCxn id="48" idx="0"/>
+            <a:endCxn id="13" idx="3"/>
+          </p:cNvCxnSpPr>
+          <p:nvPr/>
+        </p:nvCxnSpPr>
+        <p:spPr>
+          <a:xfrm flipV="1">
+            <a:off x="1782147" y="4254659"/>
+            <a:ext cx="652833" cy="917428"/>
+          </a:xfrm>
+          <a:prstGeom prst="line">
+            <a:avLst/>
+          </a:prstGeom>
+        </p:spPr>
+        <p:style>
+          <a:lnRef idx="1">
+            <a:schemeClr val="accent6"/>
+          </a:lnRef>
+          <a:fillRef idx="0">
+            <a:schemeClr val="accent6"/>
+          </a:fillRef>
+          <a:effectRef idx="0">
+            <a:schemeClr val="accent6"/>
+          </a:effectRef>
+          <a:fontRef idx="minor">
+            <a:schemeClr val="tx1"/>
+          </a:fontRef>
+        </p:style>
+      </p:cxnSp>
+      <p:cxnSp>
+        <p:nvCxnSpPr>
+          <p:cNvPr id="57" name="직선 연결선 56">
+            <a:extLst>
+              <a:ext uri="{FF2B5EF4-FFF2-40B4-BE49-F238E27FC236}">
+                <a16:creationId xmlns:a16="http://schemas.microsoft.com/office/drawing/2014/main" id="{D30898EA-79AC-4644-95E4-2CBC6C3643B5}"/>
+              </a:ext>
+            </a:extLst>
+          </p:cNvPr>
+          <p:cNvCxnSpPr>
+            <a:stCxn id="14" idx="3"/>
+            <a:endCxn id="48" idx="1"/>
+          </p:cNvCxnSpPr>
+          <p:nvPr/>
+        </p:nvCxnSpPr>
+        <p:spPr>
+          <a:xfrm flipH="1">
+            <a:off x="1515355" y="2626123"/>
+            <a:ext cx="165023" cy="2656473"/>
+          </a:xfrm>
+          <a:prstGeom prst="line">
+            <a:avLst/>
+          </a:prstGeom>
+        </p:spPr>
+        <p:style>
+          <a:lnRef idx="1">
+            <a:schemeClr val="dk1"/>
+          </a:lnRef>
+          <a:fillRef idx="0">
+            <a:schemeClr val="dk1"/>
+          </a:fillRef>
+          <a:effectRef idx="0">
+            <a:schemeClr val="dk1"/>
+          </a:effectRef>
+          <a:fontRef idx="minor">
+            <a:schemeClr val="tx1"/>
+          </a:fontRef>
+        </p:style>
+      </p:cxnSp>
+      <p:cxnSp>
+        <p:nvCxnSpPr>
+          <p:cNvPr id="59" name="직선 연결선 58">
+            <a:extLst>
+              <a:ext uri="{FF2B5EF4-FFF2-40B4-BE49-F238E27FC236}">
+                <a16:creationId xmlns:a16="http://schemas.microsoft.com/office/drawing/2014/main" id="{A1B27C62-CD2A-403D-AE4C-59BC1963D442}"/>
+              </a:ext>
+            </a:extLst>
+          </p:cNvPr>
+          <p:cNvCxnSpPr>
+            <a:stCxn id="48" idx="7"/>
+            <a:endCxn id="12" idx="3"/>
+          </p:cNvCxnSpPr>
+          <p:nvPr/>
+        </p:nvCxnSpPr>
+        <p:spPr>
+          <a:xfrm flipV="1">
+            <a:off x="2048939" y="2683312"/>
+            <a:ext cx="2465677" cy="2599284"/>
+          </a:xfrm>
+          <a:prstGeom prst="line">
+            <a:avLst/>
+          </a:prstGeom>
+        </p:spPr>
+        <p:style>
+          <a:lnRef idx="1">
+            <a:schemeClr val="dk1"/>
+          </a:lnRef>
+          <a:fillRef idx="0">
+            <a:schemeClr val="dk1"/>
+          </a:fillRef>
+          <a:effectRef idx="0">
+            <a:schemeClr val="dk1"/>
+          </a:effectRef>
+          <a:fontRef idx="minor">
+            <a:schemeClr val="tx1"/>
+          </a:fontRef>
+        </p:style>
+      </p:cxnSp>
+    </p:spTree>
+    <p:extLst>
+      <p:ext uri="{BB962C8B-B14F-4D97-AF65-F5344CB8AC3E}">
+        <p14:creationId xmlns:p14="http://schemas.microsoft.com/office/powerpoint/2010/main" val="774975047"/>
+      </p:ext>
+    </p:extLst>
+  </p:cSld>
+  <p:clrMapOvr>
+    <a:masterClrMapping/>
+  </p:clrMapOvr>
+  <mc:AlternateContent xmlns:mc="http://schemas.openxmlformats.org/markup-compatibility/2006" xmlns:p14="http://schemas.microsoft.com/office/powerpoint/2010/main">
+    <mc:Choice Requires="p14">
+      <p:transition/>
+    </mc:Choice>
+    <mc:Fallback xmlns:dsp="http://schemas.microsoft.com/office/drawing/2008/diagram" xmlns:dgm="http://schemas.openxmlformats.org/drawingml/2006/diagram" xmlns:c="http://schemas.openxmlformats.org/drawingml/2006/chart" xmlns="">
+      <p:transition/>
+    </mc:Fallback>
+  </mc:AlternateContent>
+  <p:timing>
+    <p:tnLst>
+      <p:par>
+        <p:cTn id="1" dur="indefinite" restart="never" nodeType="tmRoot">
+          <p:childTnLst>
+            <p:seq concurrent="1" nextAc="seek">
+              <p:cTn id="2" dur="indefinite" nodeType="mainSeq">
+                <p:childTnLst>
+                  <p:par>
+                    <p:cTn id="3" fill="hold">
+                      <p:stCondLst>
+                        <p:cond delay="indefinite"/>
+                      </p:stCondLst>
+                      <p:childTnLst>
+                        <p:par>
+                          <p:cTn id="4" fill="hold">
+                            <p:stCondLst>
+                              <p:cond delay="0"/>
+                            </p:stCondLst>
+                            <p:childTnLst>
+                              <p:par>
+                                <p:cTn id="5" presetID="10" presetClass="entr" presetSubtype="0" fill="hold" grpId="0" nodeType="clickEffect">
+                                  <p:stCondLst>
+                                    <p:cond delay="0"/>
+                                  </p:stCondLst>
+                                  <p:childTnLst>
+                                    <p:set>
+                                      <p:cBhvr>
+                                        <p:cTn id="6" dur="1" fill="hold">
+                                          <p:stCondLst>
+                                            <p:cond delay="0"/>
+                                          </p:stCondLst>
+                                        </p:cTn>
+                                        <p:tgtEl>
+                                          <p:spTgt spid="13"/>
+                                        </p:tgtEl>
+                                        <p:attrNameLst>
+                                          <p:attrName>style.visibility</p:attrName>
+                                        </p:attrNameLst>
+                                      </p:cBhvr>
+                                      <p:to>
+                                        <p:strVal val="visible"/>
+                                      </p:to>
+                                    </p:set>
+                                    <p:animEffect transition="in" filter="fade">
+                                      <p:cBhvr>
+                                        <p:cTn id="7" dur="500"/>
+                                        <p:tgtEl>
+                                          <p:spTgt spid="13"/>
+                                        </p:tgtEl>
+                                      </p:cBhvr>
+                                    </p:animEffect>
+                                  </p:childTnLst>
+                                </p:cTn>
+                              </p:par>
+                              <p:par>
+                                <p:cTn id="8" presetID="10" presetClass="entr" presetSubtype="0" fill="hold" grpId="0" nodeType="withEffect">
+                                  <p:stCondLst>
+                                    <p:cond delay="0"/>
+                                  </p:stCondLst>
+                                  <p:childTnLst>
+                                    <p:set>
+                                      <p:cBhvr>
+                                        <p:cTn id="9" dur="1" fill="hold">
+                                          <p:stCondLst>
+                                            <p:cond delay="0"/>
+                                          </p:stCondLst>
+                                        </p:cTn>
+                                        <p:tgtEl>
+                                          <p:spTgt spid="14"/>
+                                        </p:tgtEl>
+                                        <p:attrNameLst>
+                                          <p:attrName>style.visibility</p:attrName>
+                                        </p:attrNameLst>
+                                      </p:cBhvr>
+                                      <p:to>
+                                        <p:strVal val="visible"/>
+                                      </p:to>
+                                    </p:set>
+                                    <p:animEffect transition="in" filter="fade">
+                                      <p:cBhvr>
+                                        <p:cTn id="10" dur="500"/>
+                                        <p:tgtEl>
+                                          <p:spTgt spid="14"/>
+                                        </p:tgtEl>
+                                      </p:cBhvr>
+                                    </p:animEffect>
+                                  </p:childTnLst>
+                                </p:cTn>
+                              </p:par>
+                              <p:par>
+                                <p:cTn id="11" presetID="10" presetClass="entr" presetSubtype="0" fill="hold" grpId="0" nodeType="withEffect">
+                                  <p:stCondLst>
+                                    <p:cond delay="0"/>
+                                  </p:stCondLst>
+                                  <p:childTnLst>
+                                    <p:set>
+                                      <p:cBhvr>
+                                        <p:cTn id="12" dur="1" fill="hold">
+                                          <p:stCondLst>
+                                            <p:cond delay="0"/>
+                                          </p:stCondLst>
+                                        </p:cTn>
+                                        <p:tgtEl>
+                                          <p:spTgt spid="3"/>
+                                        </p:tgtEl>
+                                        <p:attrNameLst>
+                                          <p:attrName>style.visibility</p:attrName>
+                                        </p:attrNameLst>
+                                      </p:cBhvr>
+                                      <p:to>
+                                        <p:strVal val="visible"/>
+                                      </p:to>
+                                    </p:set>
+                                    <p:animEffect transition="in" filter="fade">
+                                      <p:cBhvr>
+                                        <p:cTn id="13" dur="500"/>
+                                        <p:tgtEl>
+                                          <p:spTgt spid="3"/>
+                                        </p:tgtEl>
+                                      </p:cBhvr>
+                                    </p:animEffect>
+                                  </p:childTnLst>
+                                </p:cTn>
+                              </p:par>
+                              <p:par>
+                                <p:cTn id="14" presetID="10" presetClass="entr" presetSubtype="0" fill="hold" grpId="0" nodeType="withEffect">
+                                  <p:stCondLst>
+                                    <p:cond delay="0"/>
+                                  </p:stCondLst>
+                                  <p:childTnLst>
+                                    <p:set>
+                                      <p:cBhvr>
+                                        <p:cTn id="15" dur="1" fill="hold">
+                                          <p:stCondLst>
+                                            <p:cond delay="0"/>
+                                          </p:stCondLst>
+                                        </p:cTn>
+                                        <p:tgtEl>
+                                          <p:spTgt spid="12"/>
+                                        </p:tgtEl>
+                                        <p:attrNameLst>
+                                          <p:attrName>style.visibility</p:attrName>
+                                        </p:attrNameLst>
+                                      </p:cBhvr>
+                                      <p:to>
+                                        <p:strVal val="visible"/>
+                                      </p:to>
+                                    </p:set>
+                                    <p:animEffect transition="in" filter="fade">
+                                      <p:cBhvr>
+                                        <p:cTn id="16" dur="500"/>
+                                        <p:tgtEl>
+                                          <p:spTgt spid="12"/>
+                                        </p:tgtEl>
+                                      </p:cBhvr>
+                                    </p:animEffect>
+                                  </p:childTnLst>
+                                </p:cTn>
+                              </p:par>
+                              <p:par>
+                                <p:cTn id="17" presetID="10" presetClass="entr" presetSubtype="0" fill="hold" grpId="0" nodeType="withEffect">
+                                  <p:stCondLst>
+                                    <p:cond delay="0"/>
+                                  </p:stCondLst>
+                                  <p:childTnLst>
+                                    <p:set>
+                                      <p:cBhvr>
+                                        <p:cTn id="18" dur="1" fill="hold">
+                                          <p:stCondLst>
+                                            <p:cond delay="0"/>
+                                          </p:stCondLst>
+                                        </p:cTn>
+                                        <p:tgtEl>
+                                          <p:spTgt spid="21"/>
+                                        </p:tgtEl>
+                                        <p:attrNameLst>
+                                          <p:attrName>style.visibility</p:attrName>
+                                        </p:attrNameLst>
+                                      </p:cBhvr>
+                                      <p:to>
+                                        <p:strVal val="visible"/>
+                                      </p:to>
+                                    </p:set>
+                                    <p:animEffect transition="in" filter="fade">
+                                      <p:cBhvr>
+                                        <p:cTn id="19" dur="500"/>
+                                        <p:tgtEl>
+                                          <p:spTgt spid="21"/>
+                                        </p:tgtEl>
+                                      </p:cBhvr>
+                                    </p:animEffect>
+                                  </p:childTnLst>
+                                </p:cTn>
+                              </p:par>
+                              <p:par>
+                                <p:cTn id="20" presetID="10" presetClass="entr" presetSubtype="0" fill="hold" grpId="0" nodeType="withEffect">
+                                  <p:stCondLst>
+                                    <p:cond delay="0"/>
+                                  </p:stCondLst>
+                                  <p:childTnLst>
+                                    <p:set>
+                                      <p:cBhvr>
+                                        <p:cTn id="21" dur="1" fill="hold">
+                                          <p:stCondLst>
+                                            <p:cond delay="0"/>
+                                          </p:stCondLst>
+                                        </p:cTn>
+                                        <p:tgtEl>
+                                          <p:spTgt spid="23"/>
+                                        </p:tgtEl>
+                                        <p:attrNameLst>
+                                          <p:attrName>style.visibility</p:attrName>
+                                        </p:attrNameLst>
+                                      </p:cBhvr>
+                                      <p:to>
+                                        <p:strVal val="visible"/>
+                                      </p:to>
+                                    </p:set>
+                                    <p:animEffect transition="in" filter="fade">
+                                      <p:cBhvr>
+                                        <p:cTn id="22" dur="500"/>
+                                        <p:tgtEl>
+                                          <p:spTgt spid="23"/>
+                                        </p:tgtEl>
+                                      </p:cBhvr>
+                                    </p:animEffect>
+                                  </p:childTnLst>
+                                </p:cTn>
+                              </p:par>
+                              <p:par>
+                                <p:cTn id="23" presetID="10" presetClass="entr" presetSubtype="0" fill="hold" grpId="0" nodeType="withEffect">
+                                  <p:stCondLst>
+                                    <p:cond delay="0"/>
+                                  </p:stCondLst>
+                                  <p:childTnLst>
+                                    <p:set>
+                                      <p:cBhvr>
+                                        <p:cTn id="24" dur="1" fill="hold">
+                                          <p:stCondLst>
+                                            <p:cond delay="0"/>
+                                          </p:stCondLst>
+                                        </p:cTn>
+                                        <p:tgtEl>
+                                          <p:spTgt spid="24"/>
+                                        </p:tgtEl>
+                                        <p:attrNameLst>
+                                          <p:attrName>style.visibility</p:attrName>
+                                        </p:attrNameLst>
+                                      </p:cBhvr>
+                                      <p:to>
+                                        <p:strVal val="visible"/>
+                                      </p:to>
+                                    </p:set>
+                                    <p:animEffect transition="in" filter="fade">
+                                      <p:cBhvr>
+                                        <p:cTn id="25" dur="500"/>
+                                        <p:tgtEl>
+                                          <p:spTgt spid="24"/>
+                                        </p:tgtEl>
+                                      </p:cBhvr>
+                                    </p:animEffect>
+                                  </p:childTnLst>
+                                </p:cTn>
+                              </p:par>
+                              <p:par>
+                                <p:cTn id="26" presetID="10" presetClass="entr" presetSubtype="0" fill="hold" grpId="0" nodeType="withEffect">
+                                  <p:stCondLst>
+                                    <p:cond delay="0"/>
+                                  </p:stCondLst>
+                                  <p:childTnLst>
+                                    <p:set>
+                                      <p:cBhvr>
+                                        <p:cTn id="27" dur="1" fill="hold">
+                                          <p:stCondLst>
+                                            <p:cond delay="0"/>
+                                          </p:stCondLst>
+                                        </p:cTn>
+                                        <p:tgtEl>
+                                          <p:spTgt spid="26"/>
+                                        </p:tgtEl>
+                                        <p:attrNameLst>
+                                          <p:attrName>style.visibility</p:attrName>
+                                        </p:attrNameLst>
+                                      </p:cBhvr>
+                                      <p:to>
+                                        <p:strVal val="visible"/>
+                                      </p:to>
+                                    </p:set>
+                                    <p:animEffect transition="in" filter="fade">
+                                      <p:cBhvr>
+                                        <p:cTn id="28" dur="500"/>
+                                        <p:tgtEl>
+                                          <p:spTgt spid="26"/>
+                                        </p:tgtEl>
+                                      </p:cBhvr>
+                                    </p:animEffect>
+                                  </p:childTnLst>
+                                </p:cTn>
+                              </p:par>
+                              <p:par>
+                                <p:cTn id="29" presetID="10" presetClass="entr" presetSubtype="0" fill="hold" grpId="0" nodeType="withEffect">
+                                  <p:stCondLst>
+                                    <p:cond delay="0"/>
+                                  </p:stCondLst>
+                                  <p:childTnLst>
+                                    <p:set>
+                                      <p:cBhvr>
+                                        <p:cTn id="30" dur="1" fill="hold">
+                                          <p:stCondLst>
+                                            <p:cond delay="0"/>
+                                          </p:stCondLst>
+                                        </p:cTn>
+                                        <p:tgtEl>
+                                          <p:spTgt spid="22"/>
+                                        </p:tgtEl>
+                                        <p:attrNameLst>
+                                          <p:attrName>style.visibility</p:attrName>
+                                        </p:attrNameLst>
+                                      </p:cBhvr>
+                                      <p:to>
+                                        <p:strVal val="visible"/>
+                                      </p:to>
+                                    </p:set>
+                                    <p:animEffect transition="in" filter="fade">
+                                      <p:cBhvr>
+                                        <p:cTn id="31" dur="500"/>
+                                        <p:tgtEl>
+                                          <p:spTgt spid="22"/>
+                                        </p:tgtEl>
+                                      </p:cBhvr>
+                                    </p:animEffect>
+                                  </p:childTnLst>
+                                </p:cTn>
+                              </p:par>
+                              <p:par>
+                                <p:cTn id="32" presetID="10" presetClass="entr" presetSubtype="0" fill="hold" grpId="0" nodeType="withEffect">
+                                  <p:stCondLst>
+                                    <p:cond delay="0"/>
+                                  </p:stCondLst>
+                                  <p:childTnLst>
+                                    <p:set>
+                                      <p:cBhvr>
+                                        <p:cTn id="33" dur="1" fill="hold">
+                                          <p:stCondLst>
+                                            <p:cond delay="0"/>
+                                          </p:stCondLst>
+                                        </p:cTn>
+                                        <p:tgtEl>
+                                          <p:spTgt spid="27"/>
+                                        </p:tgtEl>
+                                        <p:attrNameLst>
+                                          <p:attrName>style.visibility</p:attrName>
+                                        </p:attrNameLst>
+                                      </p:cBhvr>
+                                      <p:to>
+                                        <p:strVal val="visible"/>
+                                      </p:to>
+                                    </p:set>
+                                    <p:animEffect transition="in" filter="fade">
+                                      <p:cBhvr>
+                                        <p:cTn id="34" dur="500"/>
+                                        <p:tgtEl>
+                                          <p:spTgt spid="27"/>
+                                        </p:tgtEl>
+                                      </p:cBhvr>
+                                    </p:animEffect>
+                                  </p:childTnLst>
+                                </p:cTn>
+                              </p:par>
+                              <p:par>
+                                <p:cTn id="35" presetID="10" presetClass="entr" presetSubtype="0" fill="hold" grpId="0" nodeType="withEffect">
+                                  <p:stCondLst>
+                                    <p:cond delay="0"/>
+                                  </p:stCondLst>
+                                  <p:childTnLst>
+                                    <p:set>
+                                      <p:cBhvr>
+                                        <p:cTn id="36" dur="1" fill="hold">
+                                          <p:stCondLst>
+                                            <p:cond delay="0"/>
+                                          </p:stCondLst>
+                                        </p:cTn>
+                                        <p:tgtEl>
+                                          <p:spTgt spid="28"/>
+                                        </p:tgtEl>
+                                        <p:attrNameLst>
+                                          <p:attrName>style.visibility</p:attrName>
+                                        </p:attrNameLst>
+                                      </p:cBhvr>
+                                      <p:to>
+                                        <p:strVal val="visible"/>
+                                      </p:to>
+                                    </p:set>
+                                    <p:animEffect transition="in" filter="fade">
+                                      <p:cBhvr>
+                                        <p:cTn id="37" dur="500"/>
+                                        <p:tgtEl>
+                                          <p:spTgt spid="28"/>
+                                        </p:tgtEl>
+                                      </p:cBhvr>
+                                    </p:animEffect>
+                                  </p:childTnLst>
+                                </p:cTn>
+                              </p:par>
+                            </p:childTnLst>
+                          </p:cTn>
+                        </p:par>
+                      </p:childTnLst>
+                    </p:cTn>
+                  </p:par>
+                  <p:par>
+                    <p:cTn id="38" fill="hold">
+                      <p:stCondLst>
+                        <p:cond delay="indefinite"/>
+                      </p:stCondLst>
+                      <p:childTnLst>
+                        <p:par>
+                          <p:cTn id="39" fill="hold">
+                            <p:stCondLst>
+                              <p:cond delay="0"/>
+                            </p:stCondLst>
+                            <p:childTnLst>
+                              <p:par>
+                                <p:cTn id="40" presetID="14" presetClass="entr" presetSubtype="10" fill="hold" nodeType="clickEffect">
+                                  <p:stCondLst>
+                                    <p:cond delay="0"/>
+                                  </p:stCondLst>
+                                  <p:childTnLst>
+                                    <p:set>
+                                      <p:cBhvr>
+                                        <p:cTn id="41" dur="1" fill="hold">
+                                          <p:stCondLst>
+                                            <p:cond delay="0"/>
+                                          </p:stCondLst>
+                                        </p:cTn>
+                                        <p:tgtEl>
+                                          <p:spTgt spid="17"/>
+                                        </p:tgtEl>
+                                        <p:attrNameLst>
+                                          <p:attrName>style.visibility</p:attrName>
+                                        </p:attrNameLst>
+                                      </p:cBhvr>
+                                      <p:to>
+                                        <p:strVal val="visible"/>
+                                      </p:to>
+                                    </p:set>
+                                    <p:animEffect transition="in" filter="randombar(horizontal)">
+                                      <p:cBhvr>
+                                        <p:cTn id="42" dur="500"/>
+                                        <p:tgtEl>
+                                          <p:spTgt spid="17"/>
+                                        </p:tgtEl>
+                                      </p:cBhvr>
+                                    </p:animEffect>
+                                  </p:childTnLst>
+                                </p:cTn>
+                              </p:par>
+                              <p:par>
+                                <p:cTn id="43" presetID="14" presetClass="entr" presetSubtype="10" fill="hold" nodeType="withEffect">
+                                  <p:stCondLst>
+                                    <p:cond delay="0"/>
+                                  </p:stCondLst>
+                                  <p:childTnLst>
+                                    <p:set>
+                                      <p:cBhvr>
+                                        <p:cTn id="44" dur="1" fill="hold">
+                                          <p:stCondLst>
+                                            <p:cond delay="0"/>
+                                          </p:stCondLst>
+                                        </p:cTn>
+                                        <p:tgtEl>
+                                          <p:spTgt spid="6"/>
+                                        </p:tgtEl>
+                                        <p:attrNameLst>
+                                          <p:attrName>style.visibility</p:attrName>
+                                        </p:attrNameLst>
+                                      </p:cBhvr>
+                                      <p:to>
+                                        <p:strVal val="visible"/>
+                                      </p:to>
+                                    </p:set>
+                                    <p:animEffect transition="in" filter="randombar(horizontal)">
+                                      <p:cBhvr>
+                                        <p:cTn id="45" dur="500"/>
+                                        <p:tgtEl>
+                                          <p:spTgt spid="6"/>
+                                        </p:tgtEl>
+                                      </p:cBhvr>
+                                    </p:animEffect>
+                                  </p:childTnLst>
+                                </p:cTn>
+                              </p:par>
+                              <p:par>
+                                <p:cTn id="46" presetID="14" presetClass="entr" presetSubtype="10" fill="hold" nodeType="withEffect">
+                                  <p:stCondLst>
+                                    <p:cond delay="0"/>
+                                  </p:stCondLst>
+                                  <p:childTnLst>
+                                    <p:set>
+                                      <p:cBhvr>
+                                        <p:cTn id="47" dur="1" fill="hold">
+                                          <p:stCondLst>
+                                            <p:cond delay="0"/>
+                                          </p:stCondLst>
+                                        </p:cTn>
+                                        <p:tgtEl>
+                                          <p:spTgt spid="8"/>
+                                        </p:tgtEl>
+                                        <p:attrNameLst>
+                                          <p:attrName>style.visibility</p:attrName>
+                                        </p:attrNameLst>
+                                      </p:cBhvr>
+                                      <p:to>
+                                        <p:strVal val="visible"/>
+                                      </p:to>
+                                    </p:set>
+                                    <p:animEffect transition="in" filter="randombar(horizontal)">
+                                      <p:cBhvr>
+                                        <p:cTn id="48" dur="500"/>
+                                        <p:tgtEl>
+                                          <p:spTgt spid="8"/>
+                                        </p:tgtEl>
+                                      </p:cBhvr>
+                                    </p:animEffect>
+                                  </p:childTnLst>
+                                </p:cTn>
+                              </p:par>
+                              <p:par>
+                                <p:cTn id="49" presetID="14" presetClass="entr" presetSubtype="10" fill="hold" nodeType="withEffect">
+                                  <p:stCondLst>
+                                    <p:cond delay="0"/>
+                                  </p:stCondLst>
+                                  <p:childTnLst>
+                                    <p:set>
+                                      <p:cBhvr>
+                                        <p:cTn id="50" dur="1" fill="hold">
+                                          <p:stCondLst>
+                                            <p:cond delay="0"/>
+                                          </p:stCondLst>
+                                        </p:cTn>
+                                        <p:tgtEl>
+                                          <p:spTgt spid="15"/>
+                                        </p:tgtEl>
+                                        <p:attrNameLst>
+                                          <p:attrName>style.visibility</p:attrName>
+                                        </p:attrNameLst>
+                                      </p:cBhvr>
+                                      <p:to>
+                                        <p:strVal val="visible"/>
+                                      </p:to>
+                                    </p:set>
+                                    <p:animEffect transition="in" filter="randombar(horizontal)">
+                                      <p:cBhvr>
+                                        <p:cTn id="51" dur="500"/>
+                                        <p:tgtEl>
+                                          <p:spTgt spid="15"/>
+                                        </p:tgtEl>
+                                      </p:cBhvr>
+                                    </p:animEffect>
+                                  </p:childTnLst>
+                                </p:cTn>
+                              </p:par>
+                              <p:par>
+                                <p:cTn id="52" presetID="14" presetClass="entr" presetSubtype="10" fill="hold" nodeType="withEffect">
+                                  <p:stCondLst>
+                                    <p:cond delay="0"/>
+                                  </p:stCondLst>
+                                  <p:childTnLst>
+                                    <p:set>
+                                      <p:cBhvr>
+                                        <p:cTn id="53" dur="1" fill="hold">
+                                          <p:stCondLst>
+                                            <p:cond delay="0"/>
+                                          </p:stCondLst>
+                                        </p:cTn>
+                                        <p:tgtEl>
+                                          <p:spTgt spid="35"/>
+                                        </p:tgtEl>
+                                        <p:attrNameLst>
+                                          <p:attrName>style.visibility</p:attrName>
+                                        </p:attrNameLst>
+                                      </p:cBhvr>
+                                      <p:to>
+                                        <p:strVal val="visible"/>
+                                      </p:to>
+                                    </p:set>
+                                    <p:animEffect transition="in" filter="randombar(horizontal)">
+                                      <p:cBhvr>
+                                        <p:cTn id="54" dur="500"/>
+                                        <p:tgtEl>
+                                          <p:spTgt spid="35"/>
+                                        </p:tgtEl>
+                                      </p:cBhvr>
+                                    </p:animEffect>
+                                  </p:childTnLst>
+                                </p:cTn>
+                              </p:par>
+                              <p:par>
+                                <p:cTn id="55" presetID="14" presetClass="entr" presetSubtype="10" fill="hold" nodeType="withEffect">
+                                  <p:stCondLst>
+                                    <p:cond delay="0"/>
+                                  </p:stCondLst>
+                                  <p:childTnLst>
+                                    <p:set>
+                                      <p:cBhvr>
+                                        <p:cTn id="56" dur="1" fill="hold">
+                                          <p:stCondLst>
+                                            <p:cond delay="0"/>
+                                          </p:stCondLst>
+                                        </p:cTn>
+                                        <p:tgtEl>
+                                          <p:spTgt spid="39"/>
+                                        </p:tgtEl>
+                                        <p:attrNameLst>
+                                          <p:attrName>style.visibility</p:attrName>
+                                        </p:attrNameLst>
+                                      </p:cBhvr>
+                                      <p:to>
+                                        <p:strVal val="visible"/>
+                                      </p:to>
+                                    </p:set>
+                                    <p:animEffect transition="in" filter="randombar(horizontal)">
+                                      <p:cBhvr>
+                                        <p:cTn id="57" dur="500"/>
+                                        <p:tgtEl>
+                                          <p:spTgt spid="39"/>
+                                        </p:tgtEl>
+                                      </p:cBhvr>
+                                    </p:animEffect>
+                                  </p:childTnLst>
+                                </p:cTn>
+                              </p:par>
+                              <p:par>
+                                <p:cTn id="58" presetID="14" presetClass="entr" presetSubtype="10" fill="hold" nodeType="withEffect">
+                                  <p:stCondLst>
+                                    <p:cond delay="0"/>
+                                  </p:stCondLst>
+                                  <p:childTnLst>
+                                    <p:set>
+                                      <p:cBhvr>
+                                        <p:cTn id="59" dur="1" fill="hold">
+                                          <p:stCondLst>
+                                            <p:cond delay="0"/>
+                                          </p:stCondLst>
+                                        </p:cTn>
+                                        <p:tgtEl>
+                                          <p:spTgt spid="37"/>
+                                        </p:tgtEl>
+                                        <p:attrNameLst>
+                                          <p:attrName>style.visibility</p:attrName>
+                                        </p:attrNameLst>
+                                      </p:cBhvr>
+                                      <p:to>
+                                        <p:strVal val="visible"/>
+                                      </p:to>
+                                    </p:set>
+                                    <p:animEffect transition="in" filter="randombar(horizontal)">
+                                      <p:cBhvr>
+                                        <p:cTn id="60" dur="500"/>
+                                        <p:tgtEl>
+                                          <p:spTgt spid="37"/>
+                                        </p:tgtEl>
+                                      </p:cBhvr>
+                                    </p:animEffect>
+                                  </p:childTnLst>
+                                </p:cTn>
+                              </p:par>
+                              <p:par>
+                                <p:cTn id="61" presetID="14" presetClass="entr" presetSubtype="10" fill="hold" nodeType="withEffect">
+                                  <p:stCondLst>
+                                    <p:cond delay="0"/>
+                                  </p:stCondLst>
+                                  <p:childTnLst>
+                                    <p:set>
+                                      <p:cBhvr>
+                                        <p:cTn id="62" dur="1" fill="hold">
+                                          <p:stCondLst>
+                                            <p:cond delay="0"/>
+                                          </p:stCondLst>
+                                        </p:cTn>
+                                        <p:tgtEl>
+                                          <p:spTgt spid="19"/>
+                                        </p:tgtEl>
+                                        <p:attrNameLst>
+                                          <p:attrName>style.visibility</p:attrName>
+                                        </p:attrNameLst>
+                                      </p:cBhvr>
+                                      <p:to>
+                                        <p:strVal val="visible"/>
+                                      </p:to>
+                                    </p:set>
+                                    <p:animEffect transition="in" filter="randombar(horizontal)">
+                                      <p:cBhvr>
+                                        <p:cTn id="63" dur="500"/>
+                                        <p:tgtEl>
+                                          <p:spTgt spid="19"/>
+                                        </p:tgtEl>
+                                      </p:cBhvr>
+                                    </p:animEffect>
+                                  </p:childTnLst>
+                                </p:cTn>
+                              </p:par>
+                              <p:par>
+                                <p:cTn id="64" presetID="14" presetClass="entr" presetSubtype="10" fill="hold" nodeType="withEffect">
+                                  <p:stCondLst>
+                                    <p:cond delay="0"/>
+                                  </p:stCondLst>
+                                  <p:childTnLst>
+                                    <p:set>
+                                      <p:cBhvr>
+                                        <p:cTn id="65" dur="1" fill="hold">
+                                          <p:stCondLst>
+                                            <p:cond delay="0"/>
+                                          </p:stCondLst>
+                                        </p:cTn>
+                                        <p:tgtEl>
+                                          <p:spTgt spid="29"/>
+                                        </p:tgtEl>
+                                        <p:attrNameLst>
+                                          <p:attrName>style.visibility</p:attrName>
+                                        </p:attrNameLst>
+                                      </p:cBhvr>
+                                      <p:to>
+                                        <p:strVal val="visible"/>
+                                      </p:to>
+                                    </p:set>
+                                    <p:animEffect transition="in" filter="randombar(horizontal)">
+                                      <p:cBhvr>
+                                        <p:cTn id="66" dur="500"/>
+                                        <p:tgtEl>
+                                          <p:spTgt spid="29"/>
+                                        </p:tgtEl>
+                                      </p:cBhvr>
+                                    </p:animEffect>
+                                  </p:childTnLst>
+                                </p:cTn>
+                              </p:par>
+                              <p:par>
+                                <p:cTn id="67" presetID="14" presetClass="entr" presetSubtype="10" fill="hold" nodeType="withEffect">
+                                  <p:stCondLst>
+                                    <p:cond delay="0"/>
+                                  </p:stCondLst>
+                                  <p:childTnLst>
+                                    <p:set>
+                                      <p:cBhvr>
+                                        <p:cTn id="68" dur="1" fill="hold">
+                                          <p:stCondLst>
+                                            <p:cond delay="0"/>
+                                          </p:stCondLst>
+                                        </p:cTn>
+                                        <p:tgtEl>
+                                          <p:spTgt spid="33"/>
+                                        </p:tgtEl>
+                                        <p:attrNameLst>
+                                          <p:attrName>style.visibility</p:attrName>
+                                        </p:attrNameLst>
+                                      </p:cBhvr>
+                                      <p:to>
+                                        <p:strVal val="visible"/>
+                                      </p:to>
+                                    </p:set>
+                                    <p:animEffect transition="in" filter="randombar(horizontal)">
+                                      <p:cBhvr>
+                                        <p:cTn id="69" dur="500"/>
+                                        <p:tgtEl>
+                                          <p:spTgt spid="33"/>
+                                        </p:tgtEl>
+                                      </p:cBhvr>
+                                    </p:animEffect>
+                                  </p:childTnLst>
+                                </p:cTn>
+                              </p:par>
+                            </p:childTnLst>
+                          </p:cTn>
+                        </p:par>
+                      </p:childTnLst>
+                    </p:cTn>
+                  </p:par>
+                  <p:par>
+                    <p:cTn id="70" fill="hold">
+                      <p:stCondLst>
+                        <p:cond delay="indefinite"/>
+                      </p:stCondLst>
+                      <p:childTnLst>
+                        <p:par>
+                          <p:cTn id="71" fill="hold">
+                            <p:stCondLst>
+                              <p:cond delay="0"/>
+                            </p:stCondLst>
+                            <p:childTnLst>
+                              <p:par>
+                                <p:cTn id="72" presetID="14" presetClass="entr" presetSubtype="10" fill="hold" nodeType="clickEffect">
+                                  <p:stCondLst>
+                                    <p:cond delay="0"/>
+                                  </p:stCondLst>
+                                  <p:childTnLst>
+                                    <p:set>
+                                      <p:cBhvr>
+                                        <p:cTn id="73" dur="1" fill="hold">
+                                          <p:stCondLst>
+                                            <p:cond delay="0"/>
+                                          </p:stCondLst>
+                                        </p:cTn>
+                                        <p:tgtEl>
+                                          <p:spTgt spid="43"/>
+                                        </p:tgtEl>
+                                        <p:attrNameLst>
+                                          <p:attrName>style.visibility</p:attrName>
+                                        </p:attrNameLst>
+                                      </p:cBhvr>
+                                      <p:to>
+                                        <p:strVal val="visible"/>
+                                      </p:to>
+                                    </p:set>
+                                    <p:animEffect transition="in" filter="randombar(horizontal)">
+                                      <p:cBhvr>
+                                        <p:cTn id="74" dur="500"/>
+                                        <p:tgtEl>
+                                          <p:spTgt spid="43"/>
+                                        </p:tgtEl>
+                                      </p:cBhvr>
+                                    </p:animEffect>
+                                  </p:childTnLst>
+                                </p:cTn>
+                              </p:par>
+                              <p:par>
+                                <p:cTn id="75" presetID="14" presetClass="entr" presetSubtype="10" fill="hold" nodeType="withEffect">
+                                  <p:stCondLst>
+                                    <p:cond delay="0"/>
+                                  </p:stCondLst>
+                                  <p:childTnLst>
+                                    <p:set>
+                                      <p:cBhvr>
+                                        <p:cTn id="76" dur="1" fill="hold">
+                                          <p:stCondLst>
+                                            <p:cond delay="0"/>
+                                          </p:stCondLst>
+                                        </p:cTn>
+                                        <p:tgtEl>
+                                          <p:spTgt spid="45"/>
+                                        </p:tgtEl>
+                                        <p:attrNameLst>
+                                          <p:attrName>style.visibility</p:attrName>
+                                        </p:attrNameLst>
+                                      </p:cBhvr>
+                                      <p:to>
+                                        <p:strVal val="visible"/>
+                                      </p:to>
+                                    </p:set>
+                                    <p:animEffect transition="in" filter="randombar(horizontal)">
+                                      <p:cBhvr>
+                                        <p:cTn id="77" dur="500"/>
+                                        <p:tgtEl>
+                                          <p:spTgt spid="45"/>
+                                        </p:tgtEl>
+                                      </p:cBhvr>
+                                    </p:animEffect>
+                                  </p:childTnLst>
+                                </p:cTn>
+                              </p:par>
+                              <p:par>
+                                <p:cTn id="78" presetID="14" presetClass="entr" presetSubtype="10" fill="hold" nodeType="withEffect">
+                                  <p:stCondLst>
+                                    <p:cond delay="0"/>
+                                  </p:stCondLst>
+                                  <p:childTnLst>
+                                    <p:set>
+                                      <p:cBhvr>
+                                        <p:cTn id="79" dur="1" fill="hold">
+                                          <p:stCondLst>
+                                            <p:cond delay="0"/>
+                                          </p:stCondLst>
+                                        </p:cTn>
+                                        <p:tgtEl>
+                                          <p:spTgt spid="47"/>
+                                        </p:tgtEl>
+                                        <p:attrNameLst>
+                                          <p:attrName>style.visibility</p:attrName>
+                                        </p:attrNameLst>
+                                      </p:cBhvr>
+                                      <p:to>
+                                        <p:strVal val="visible"/>
+                                      </p:to>
+                                    </p:set>
+                                    <p:animEffect transition="in" filter="randombar(horizontal)">
+                                      <p:cBhvr>
+                                        <p:cTn id="80" dur="500"/>
+                                        <p:tgtEl>
+                                          <p:spTgt spid="47"/>
+                                        </p:tgtEl>
+                                      </p:cBhvr>
+                                    </p:animEffect>
+                                  </p:childTnLst>
+                                </p:cTn>
+                              </p:par>
+                              <p:par>
+                                <p:cTn id="81" presetID="14" presetClass="entr" presetSubtype="10" fill="hold" nodeType="withEffect">
+                                  <p:stCondLst>
+                                    <p:cond delay="0"/>
+                                  </p:stCondLst>
+                                  <p:childTnLst>
+                                    <p:set>
+                                      <p:cBhvr>
+                                        <p:cTn id="82" dur="1" fill="hold">
+                                          <p:stCondLst>
+                                            <p:cond delay="0"/>
+                                          </p:stCondLst>
+                                        </p:cTn>
+                                        <p:tgtEl>
+                                          <p:spTgt spid="41"/>
+                                        </p:tgtEl>
+                                        <p:attrNameLst>
+                                          <p:attrName>style.visibility</p:attrName>
+                                        </p:attrNameLst>
+                                      </p:cBhvr>
+                                      <p:to>
+                                        <p:strVal val="visible"/>
+                                      </p:to>
+                                    </p:set>
+                                    <p:animEffect transition="in" filter="randombar(horizontal)">
+                                      <p:cBhvr>
+                                        <p:cTn id="83" dur="500"/>
+                                        <p:tgtEl>
+                                          <p:spTgt spid="41"/>
+                                        </p:tgtEl>
+                                      </p:cBhvr>
+                                    </p:animEffect>
+                                  </p:childTnLst>
+                                </p:cTn>
+                              </p:par>
+                            </p:childTnLst>
+                          </p:cTn>
+                        </p:par>
+                      </p:childTnLst>
+                    </p:cTn>
+                  </p:par>
+                  <p:par>
+                    <p:cTn id="84" fill="hold">
+                      <p:stCondLst>
+                        <p:cond delay="indefinite"/>
+                      </p:stCondLst>
+                      <p:childTnLst>
+                        <p:par>
+                          <p:cTn id="85" fill="hold">
+                            <p:stCondLst>
+                              <p:cond delay="0"/>
+                            </p:stCondLst>
+                            <p:childTnLst>
+                              <p:par>
+                                <p:cTn id="86" presetID="10" presetClass="entr" presetSubtype="0" fill="hold" grpId="0" nodeType="clickEffect">
+                                  <p:stCondLst>
+                                    <p:cond delay="0"/>
+                                  </p:stCondLst>
+                                  <p:childTnLst>
+                                    <p:set>
+                                      <p:cBhvr>
+                                        <p:cTn id="87" dur="1" fill="hold">
+                                          <p:stCondLst>
+                                            <p:cond delay="0"/>
+                                          </p:stCondLst>
+                                        </p:cTn>
+                                        <p:tgtEl>
+                                          <p:spTgt spid="48"/>
+                                        </p:tgtEl>
+                                        <p:attrNameLst>
+                                          <p:attrName>style.visibility</p:attrName>
+                                        </p:attrNameLst>
+                                      </p:cBhvr>
+                                      <p:to>
+                                        <p:strVal val="visible"/>
+                                      </p:to>
+                                    </p:set>
+                                    <p:animEffect transition="in" filter="fade">
+                                      <p:cBhvr>
+                                        <p:cTn id="88" dur="500"/>
+                                        <p:tgtEl>
+                                          <p:spTgt spid="48"/>
+                                        </p:tgtEl>
+                                      </p:cBhvr>
+                                    </p:animEffect>
+                                  </p:childTnLst>
+                                </p:cTn>
+                              </p:par>
+                            </p:childTnLst>
+                          </p:cTn>
+                        </p:par>
+                      </p:childTnLst>
+                    </p:cTn>
+                  </p:par>
+                  <p:par>
+                    <p:cTn id="89" fill="hold">
+                      <p:stCondLst>
+                        <p:cond delay="indefinite"/>
+                      </p:stCondLst>
+                      <p:childTnLst>
+                        <p:par>
+                          <p:cTn id="90" fill="hold">
+                            <p:stCondLst>
+                              <p:cond delay="0"/>
+                            </p:stCondLst>
+                            <p:childTnLst>
+                              <p:par>
+                                <p:cTn id="91" presetID="14" presetClass="entr" presetSubtype="10" fill="hold" nodeType="clickEffect">
+                                  <p:stCondLst>
+                                    <p:cond delay="0"/>
+                                  </p:stCondLst>
+                                  <p:childTnLst>
+                                    <p:set>
+                                      <p:cBhvr>
+                                        <p:cTn id="92" dur="1" fill="hold">
+                                          <p:stCondLst>
+                                            <p:cond delay="0"/>
+                                          </p:stCondLst>
+                                        </p:cTn>
+                                        <p:tgtEl>
+                                          <p:spTgt spid="52"/>
+                                        </p:tgtEl>
+                                        <p:attrNameLst>
+                                          <p:attrName>style.visibility</p:attrName>
+                                        </p:attrNameLst>
+                                      </p:cBhvr>
+                                      <p:to>
+                                        <p:strVal val="visible"/>
+                                      </p:to>
+                                    </p:set>
+                                    <p:animEffect transition="in" filter="randombar(horizontal)">
+                                      <p:cBhvr>
+                                        <p:cTn id="93" dur="500"/>
+                                        <p:tgtEl>
+                                          <p:spTgt spid="52"/>
+                                        </p:tgtEl>
+                                      </p:cBhvr>
+                                    </p:animEffect>
+                                  </p:childTnLst>
+                                </p:cTn>
+                              </p:par>
+                              <p:par>
+                                <p:cTn id="94" presetID="14" presetClass="entr" presetSubtype="10" fill="hold" nodeType="withEffect">
+                                  <p:stCondLst>
+                                    <p:cond delay="0"/>
+                                  </p:stCondLst>
+                                  <p:childTnLst>
+                                    <p:set>
+                                      <p:cBhvr>
+                                        <p:cTn id="95" dur="1" fill="hold">
+                                          <p:stCondLst>
+                                            <p:cond delay="0"/>
+                                          </p:stCondLst>
+                                        </p:cTn>
+                                        <p:tgtEl>
+                                          <p:spTgt spid="50"/>
+                                        </p:tgtEl>
+                                        <p:attrNameLst>
+                                          <p:attrName>style.visibility</p:attrName>
+                                        </p:attrNameLst>
+                                      </p:cBhvr>
+                                      <p:to>
+                                        <p:strVal val="visible"/>
+                                      </p:to>
+                                    </p:set>
+                                    <p:animEffect transition="in" filter="randombar(horizontal)">
+                                      <p:cBhvr>
+                                        <p:cTn id="96" dur="500"/>
+                                        <p:tgtEl>
+                                          <p:spTgt spid="50"/>
+                                        </p:tgtEl>
+                                      </p:cBhvr>
+                                    </p:animEffect>
+                                  </p:childTnLst>
+                                </p:cTn>
+                              </p:par>
+                            </p:childTnLst>
+                          </p:cTn>
+                        </p:par>
+                      </p:childTnLst>
+                    </p:cTn>
+                  </p:par>
+                  <p:par>
+                    <p:cTn id="97" fill="hold">
+                      <p:stCondLst>
+                        <p:cond delay="indefinite"/>
+                      </p:stCondLst>
+                      <p:childTnLst>
+                        <p:par>
+                          <p:cTn id="98" fill="hold">
+                            <p:stCondLst>
+                              <p:cond delay="0"/>
+                            </p:stCondLst>
+                            <p:childTnLst>
+                              <p:par>
+                                <p:cTn id="99" presetID="14" presetClass="entr" presetSubtype="10" fill="hold" nodeType="clickEffect">
+                                  <p:stCondLst>
+                                    <p:cond delay="0"/>
+                                  </p:stCondLst>
+                                  <p:childTnLst>
+                                    <p:set>
+                                      <p:cBhvr>
+                                        <p:cTn id="100" dur="1" fill="hold">
+                                          <p:stCondLst>
+                                            <p:cond delay="0"/>
+                                          </p:stCondLst>
+                                        </p:cTn>
+                                        <p:tgtEl>
+                                          <p:spTgt spid="57"/>
+                                        </p:tgtEl>
+                                        <p:attrNameLst>
+                                          <p:attrName>style.visibility</p:attrName>
+                                        </p:attrNameLst>
+                                      </p:cBhvr>
+                                      <p:to>
+                                        <p:strVal val="visible"/>
+                                      </p:to>
+                                    </p:set>
+                                    <p:animEffect transition="in" filter="randombar(horizontal)">
+                                      <p:cBhvr>
+                                        <p:cTn id="101" dur="500"/>
+                                        <p:tgtEl>
+                                          <p:spTgt spid="57"/>
+                                        </p:tgtEl>
+                                      </p:cBhvr>
+                                    </p:animEffect>
+                                  </p:childTnLst>
+                                </p:cTn>
+                              </p:par>
+                              <p:par>
+                                <p:cTn id="102" presetID="14" presetClass="entr" presetSubtype="10" fill="hold" nodeType="withEffect">
+                                  <p:stCondLst>
+                                    <p:cond delay="0"/>
+                                  </p:stCondLst>
+                                  <p:childTnLst>
+                                    <p:set>
+                                      <p:cBhvr>
+                                        <p:cTn id="103" dur="1" fill="hold">
+                                          <p:stCondLst>
+                                            <p:cond delay="0"/>
+                                          </p:stCondLst>
+                                        </p:cTn>
+                                        <p:tgtEl>
+                                          <p:spTgt spid="59"/>
+                                        </p:tgtEl>
+                                        <p:attrNameLst>
+                                          <p:attrName>style.visibility</p:attrName>
+                                        </p:attrNameLst>
+                                      </p:cBhvr>
+                                      <p:to>
+                                        <p:strVal val="visible"/>
+                                      </p:to>
+                                    </p:set>
+                                    <p:animEffect transition="in" filter="randombar(horizontal)">
+                                      <p:cBhvr>
+                                        <p:cTn id="104" dur="500"/>
+                                        <p:tgtEl>
+                                          <p:spTgt spid="59"/>
+                                        </p:tgtEl>
+                                      </p:cBhvr>
+                                    </p:animEffect>
+                                  </p:childTnLst>
+                                </p:cTn>
+                              </p:par>
+                            </p:childTnLst>
+                          </p:cTn>
+                        </p:par>
+                      </p:childTnLst>
+                    </p:cTn>
+                  </p:par>
+                </p:childTnLst>
+              </p:cTn>
+              <p:prevCondLst>
+                <p:cond evt="onPrev" delay="0">
+                  <p:tgtEl>
+                    <p:sldTgt/>
+                  </p:tgtEl>
+                </p:cond>
+              </p:prevCondLst>
+              <p:nextCondLst>
+                <p:cond evt="onNext" delay="0">
+                  <p:tgtEl>
+                    <p:sldTgt/>
+                  </p:tgtEl>
+                </p:cond>
+              </p:nextCondLst>
+            </p:seq>
+          </p:childTnLst>
+        </p:cTn>
+      </p:par>
+    </p:tnLst>
+    <p:bldLst>
+      <p:bldP spid="3" grpId="0" animBg="1"/>
+      <p:bldP spid="12" grpId="0" animBg="1"/>
+      <p:bldP spid="13" grpId="0" animBg="1"/>
+      <p:bldP spid="14" grpId="0" animBg="1"/>
+      <p:bldP spid="21" grpId="0" animBg="1"/>
+      <p:bldP spid="22" grpId="0" animBg="1"/>
+      <p:bldP spid="23" grpId="0" animBg="1"/>
+      <p:bldP spid="24" grpId="0" animBg="1"/>
+      <p:bldP spid="26" grpId="0" animBg="1"/>
+      <p:bldP spid="27" grpId="0" animBg="1"/>
+      <p:bldP spid="28" grpId="0" animBg="1"/>
+      <p:bldP spid="48" grpId="0" animBg="1"/>
+    </p:bldLst>
+  </p:timing>
+</p:sld>
+</file>
+
+<file path=ppt/slides/slide6.xml><?xml version="1.0" encoding="utf-8"?>
 <p:sld xmlns:a="http://schemas.openxmlformats.org/drawingml/2006/main" xmlns:r="http://schemas.openxmlformats.org/officeDocument/2006/relationships" xmlns:p="http://schemas.openxmlformats.org/presentationml/2006/main">
   <p:cSld>
     <p:bg>
@@ -37952,14 +40909,14 @@
     <mc:Choice Requires="p14">
       <p:transition/>
     </mc:Choice>
-    <mc:Fallback xmlns="" xmlns:c="http://schemas.openxmlformats.org/drawingml/2006/chart" xmlns:dgm="http://schemas.openxmlformats.org/drawingml/2006/diagram" xmlns:dsp="http://schemas.microsoft.com/office/drawing/2008/diagram">
+    <mc:Fallback xmlns:dsp="http://schemas.microsoft.com/office/drawing/2008/diagram" xmlns:dgm="http://schemas.openxmlformats.org/drawingml/2006/diagram" xmlns:c="http://schemas.openxmlformats.org/drawingml/2006/chart" xmlns="">
       <p:transition/>
     </mc:Fallback>
   </mc:AlternateContent>
 </p:sld>
 </file>
 
-<file path=ppt/slides/slide6.xml><?xml version="1.0" encoding="utf-8"?>
+<file path=ppt/slides/slide7.xml><?xml version="1.0" encoding="utf-8"?>
 <p:sld xmlns:a="http://schemas.openxmlformats.org/drawingml/2006/main" xmlns:r="http://schemas.openxmlformats.org/officeDocument/2006/relationships" xmlns:p="http://schemas.openxmlformats.org/presentationml/2006/main">
   <p:cSld>
     <p:bg>
@@ -38435,14 +41392,14 @@
     <mc:Choice Requires="p14">
       <p:transition/>
     </mc:Choice>
-    <mc:Fallback xmlns="" xmlns:c="http://schemas.openxmlformats.org/drawingml/2006/chart" xmlns:dgm="http://schemas.openxmlformats.org/drawingml/2006/diagram" xmlns:dsp="http://schemas.microsoft.com/office/drawing/2008/diagram">
+    <mc:Fallback xmlns:dsp="http://schemas.microsoft.com/office/drawing/2008/diagram" xmlns:dgm="http://schemas.openxmlformats.org/drawingml/2006/diagram" xmlns:c="http://schemas.openxmlformats.org/drawingml/2006/chart" xmlns="">
       <p:transition/>
     </mc:Fallback>
   </mc:AlternateContent>
 </p:sld>
 </file>
 
-<file path=ppt/slides/slide7.xml><?xml version="1.0" encoding="utf-8"?>
+<file path=ppt/slides/slide8.xml><?xml version="1.0" encoding="utf-8"?>
 <p:sld xmlns:a="http://schemas.openxmlformats.org/drawingml/2006/main" xmlns:r="http://schemas.openxmlformats.org/officeDocument/2006/relationships" xmlns:p="http://schemas.openxmlformats.org/presentationml/2006/main">
   <p:cSld>
     <p:bg>
@@ -38770,14 +41727,14 @@
     <mc:Choice Requires="p14">
       <p:transition/>
     </mc:Choice>
-    <mc:Fallback xmlns:dsp="http://schemas.microsoft.com/office/drawing/2008/diagram" xmlns:dgm="http://schemas.openxmlformats.org/drawingml/2006/diagram" xmlns:c="http://schemas.openxmlformats.org/drawingml/2006/chart" xmlns="">
+    <mc:Fallback xmlns="" xmlns:c="http://schemas.openxmlformats.org/drawingml/2006/chart" xmlns:dgm="http://schemas.openxmlformats.org/drawingml/2006/diagram" xmlns:dsp="http://schemas.microsoft.com/office/drawing/2008/diagram">
       <p:transition/>
     </mc:Fallback>
   </mc:AlternateContent>
 </p:sld>
 </file>
 
-<file path=ppt/slides/slide8.xml><?xml version="1.0" encoding="utf-8"?>
+<file path=ppt/slides/slide9.xml><?xml version="1.0" encoding="utf-8"?>
 <p:sld xmlns:a="http://schemas.openxmlformats.org/drawingml/2006/main" xmlns:r="http://schemas.openxmlformats.org/officeDocument/2006/relationships" xmlns:p="http://schemas.openxmlformats.org/presentationml/2006/main">
   <p:cSld>
     <p:bg>
@@ -38989,320 +41946,7 @@
     <mc:Choice Requires="p14">
       <p:transition/>
     </mc:Choice>
-    <mc:Fallback xmlns:dsp="http://schemas.microsoft.com/office/drawing/2008/diagram" xmlns:dgm="http://schemas.openxmlformats.org/drawingml/2006/diagram" xmlns:c="http://schemas.openxmlformats.org/drawingml/2006/chart" xmlns="">
-      <p:transition/>
-    </mc:Fallback>
-  </mc:AlternateContent>
-</p:sld>
-</file>
-
-<file path=ppt/slides/slide9.xml><?xml version="1.0" encoding="utf-8"?>
-<p:sld xmlns:a="http://schemas.openxmlformats.org/drawingml/2006/main" xmlns:r="http://schemas.openxmlformats.org/officeDocument/2006/relationships" xmlns:p="http://schemas.openxmlformats.org/presentationml/2006/main">
-  <p:cSld>
-    <p:bg>
-      <p:bgPr>
-        <a:blipFill rotWithShape="1">
-          <a:blip r:embed="rId2">
-            <a:alphaModFix/>
-            <a:lum/>
-          </a:blip>
-          <a:tile tx="0" ty="0" sx="100000" sy="100000" flip="none" algn="ctr"/>
-        </a:blipFill>
-        <a:effectLst/>
-      </p:bgPr>
-    </p:bg>
-    <p:spTree>
-      <p:nvGrpSpPr>
-        <p:cNvPr id="1" name=""/>
-        <p:cNvGrpSpPr/>
-        <p:nvPr/>
-      </p:nvGrpSpPr>
-      <p:grpSpPr>
-        <a:xfrm>
-          <a:off x="0" y="0"/>
-          <a:ext cx="0" cy="0"/>
-          <a:chOff x="0" y="0"/>
-          <a:chExt cx="0" cy="0"/>
-        </a:xfrm>
-      </p:grpSpPr>
-      <p:sp>
-        <p:nvSpPr>
-          <p:cNvPr id="25" name="TextBox 24"/>
-          <p:cNvSpPr txBox="1"/>
-          <p:nvPr/>
-        </p:nvSpPr>
-        <p:spPr>
-          <a:xfrm>
-            <a:off x="1135907" y="520835"/>
-            <a:ext cx="6373643" cy="689042"/>
-          </a:xfrm>
-          <a:prstGeom prst="rect">
-            <a:avLst/>
-          </a:prstGeom>
-        </p:spPr>
-        <p:txBody>
-          <a:bodyPr wrap="square"/>
-          <a:lstStyle/>
-          <a:p>
-            <a:pPr>
-              <a:defRPr/>
-            </a:pPr>
-            <a:r>
-              <a:rPr lang="ko-KR" altLang="en-US" sz="3600" b="1" dirty="0">
-                <a:latin typeface="한컴 고딕"/>
-                <a:ea typeface="한컴 고딕"/>
-              </a:rPr>
-              <a:t>결과 </a:t>
-            </a:r>
-            <a:r>
-              <a:rPr lang="en-US" altLang="ko-KR" sz="3600" b="1" dirty="0">
-                <a:latin typeface="한컴 고딕"/>
-                <a:ea typeface="한컴 고딕"/>
-              </a:rPr>
-              <a:t>2013~2018</a:t>
-            </a:r>
-            <a:endParaRPr lang="ko-KR" altLang="en-US" sz="3600" b="1" dirty="0">
-              <a:latin typeface="한컴 고딕"/>
-              <a:ea typeface="한컴 고딕"/>
-            </a:endParaRPr>
-          </a:p>
-        </p:txBody>
-      </p:sp>
-      <p:pic>
-        <p:nvPicPr>
-          <p:cNvPr id="5" name="그림 4">
-            <a:extLst>
-              <a:ext uri="{FF2B5EF4-FFF2-40B4-BE49-F238E27FC236}">
-                <a16:creationId xmlns:a16="http://schemas.microsoft.com/office/drawing/2014/main" id="{6165AE2C-991C-4712-9DEA-87F420FF5926}"/>
-              </a:ext>
-            </a:extLst>
-          </p:cNvPr>
-          <p:cNvPicPr>
-            <a:picLocks noChangeAspect="1"/>
-          </p:cNvPicPr>
-          <p:nvPr/>
-        </p:nvPicPr>
-        <p:blipFill rotWithShape="1">
-          <a:blip r:embed="rId3">
-            <a:extLst>
-              <a:ext uri="{28A0092B-C50C-407E-A947-70E740481C1C}">
-                <a14:useLocalDpi xmlns:a14="http://schemas.microsoft.com/office/drawing/2010/main" val="0"/>
-              </a:ext>
-            </a:extLst>
-          </a:blip>
-          <a:srcRect r="277" b="53635"/>
-          <a:stretch/>
-        </p:blipFill>
-        <p:spPr>
-          <a:xfrm>
-            <a:off x="1260068" y="1871535"/>
-            <a:ext cx="4664911" cy="1557465"/>
-          </a:xfrm>
-          <a:prstGeom prst="rect">
-            <a:avLst/>
-          </a:prstGeom>
-        </p:spPr>
-      </p:pic>
-      <p:sp>
-        <p:nvSpPr>
-          <p:cNvPr id="2" name="TextBox 1">
-            <a:extLst>
-              <a:ext uri="{FF2B5EF4-FFF2-40B4-BE49-F238E27FC236}">
-                <a16:creationId xmlns:a16="http://schemas.microsoft.com/office/drawing/2014/main" id="{53761027-0C3E-424E-B43E-16A917A597EB}"/>
-              </a:ext>
-            </a:extLst>
-          </p:cNvPr>
-          <p:cNvSpPr txBox="1"/>
-          <p:nvPr/>
-        </p:nvSpPr>
-        <p:spPr>
-          <a:xfrm>
-            <a:off x="1260068" y="3489873"/>
-            <a:ext cx="4664911" cy="1938992"/>
-          </a:xfrm>
-          <a:prstGeom prst="rect">
-            <a:avLst/>
-          </a:prstGeom>
-        </p:spPr>
-        <p:txBody>
-          <a:bodyPr wrap="square" rtlCol="0">
-            <a:spAutoFit/>
-          </a:bodyPr>
-          <a:lstStyle/>
-          <a:p>
-            <a:r>
-              <a:rPr lang="en-US" altLang="ko-KR" sz="2400" b="1" dirty="0"/>
-              <a:t>2013</a:t>
-            </a:r>
-            <a:r>
-              <a:rPr lang="ko-KR" altLang="en-US" sz="2400" b="1" dirty="0"/>
-              <a:t>년부터 </a:t>
-            </a:r>
-            <a:r>
-              <a:rPr lang="en-US" altLang="ko-KR" sz="2400" b="1" dirty="0"/>
-              <a:t>2018</a:t>
-            </a:r>
-            <a:r>
-              <a:rPr lang="ko-KR" altLang="en-US" sz="2400" b="1" dirty="0"/>
-              <a:t>년까지 가장 중심 지수가 높은 배우는 </a:t>
-            </a:r>
-            <a:r>
-              <a:rPr lang="ko-KR" altLang="en-US" sz="2400" b="1" dirty="0" err="1">
-                <a:solidFill>
-                  <a:srgbClr val="0070C0"/>
-                </a:solidFill>
-              </a:rPr>
-              <a:t>김원해</a:t>
-            </a:r>
-            <a:endParaRPr lang="en-US" altLang="ko-KR" sz="2400" b="1" dirty="0">
-              <a:solidFill>
-                <a:srgbClr val="0070C0"/>
-              </a:solidFill>
-            </a:endParaRPr>
-          </a:p>
-          <a:p>
-            <a:r>
-              <a:rPr lang="ko-KR" altLang="en-US" sz="2400" b="1" dirty="0"/>
-              <a:t>약 </a:t>
-            </a:r>
-            <a:r>
-              <a:rPr lang="en-US" altLang="ko-KR" sz="2400" b="1" dirty="0">
-                <a:solidFill>
-                  <a:srgbClr val="0070C0"/>
-                </a:solidFill>
-              </a:rPr>
-              <a:t>2.615</a:t>
-            </a:r>
-            <a:r>
-              <a:rPr lang="en-US" altLang="ko-KR" sz="2400" b="1" dirty="0"/>
-              <a:t> </a:t>
-            </a:r>
-            <a:r>
-              <a:rPr lang="ko-KR" altLang="en-US" sz="2400" b="1" dirty="0"/>
-              <a:t>로 가장 높았다</a:t>
-            </a:r>
-            <a:r>
-              <a:rPr lang="en-US" altLang="ko-KR" sz="2400" b="1" dirty="0"/>
-              <a:t>.</a:t>
-            </a:r>
-          </a:p>
-          <a:p>
-            <a:endParaRPr lang="en-US" altLang="ko-KR" sz="2400" b="1" dirty="0"/>
-          </a:p>
-          <a:p>
-            <a:r>
-              <a:rPr lang="ko-KR" altLang="en-US" sz="2400" b="1" dirty="0" err="1"/>
-              <a:t>인접노드의</a:t>
-            </a:r>
-            <a:r>
-              <a:rPr lang="ko-KR" altLang="en-US" sz="2400" b="1" dirty="0"/>
-              <a:t> 수도 가장 많았다</a:t>
-            </a:r>
-            <a:r>
-              <a:rPr lang="en-US" altLang="ko-KR" sz="2400" b="1" dirty="0"/>
-              <a:t>.</a:t>
-            </a:r>
-            <a:endParaRPr lang="ko-KR" altLang="en-US" sz="2400" b="1" dirty="0"/>
-          </a:p>
-        </p:txBody>
-      </p:sp>
-      <p:pic>
-        <p:nvPicPr>
-          <p:cNvPr id="6" name="그림 5">
-            <a:extLst>
-              <a:ext uri="{FF2B5EF4-FFF2-40B4-BE49-F238E27FC236}">
-                <a16:creationId xmlns:a16="http://schemas.microsoft.com/office/drawing/2014/main" id="{526706DB-D4C0-4871-85F3-F3448FA19AC9}"/>
-              </a:ext>
-            </a:extLst>
-          </p:cNvPr>
-          <p:cNvPicPr>
-            <a:picLocks noChangeAspect="1"/>
-          </p:cNvPicPr>
-          <p:nvPr/>
-        </p:nvPicPr>
-        <p:blipFill>
-          <a:blip r:embed="rId4">
-            <a:extLst>
-              <a:ext uri="{28A0092B-C50C-407E-A947-70E740481C1C}">
-                <a14:useLocalDpi xmlns:a14="http://schemas.microsoft.com/office/drawing/2010/main" val="0"/>
-              </a:ext>
-            </a:extLst>
-          </a:blip>
-          <a:stretch>
-            <a:fillRect/>
-          </a:stretch>
-        </p:blipFill>
-        <p:spPr>
-          <a:xfrm>
-            <a:off x="5924979" y="1825902"/>
-            <a:ext cx="6145101" cy="3456619"/>
-          </a:xfrm>
-          <a:prstGeom prst="rect">
-            <a:avLst/>
-          </a:prstGeom>
-        </p:spPr>
-      </p:pic>
-      <p:sp>
-        <p:nvSpPr>
-          <p:cNvPr id="9" name="TextBox 8">
-            <a:extLst>
-              <a:ext uri="{FF2B5EF4-FFF2-40B4-BE49-F238E27FC236}">
-                <a16:creationId xmlns:a16="http://schemas.microsoft.com/office/drawing/2014/main" id="{312DF9B6-E24A-46DE-BFBD-799FFA36F770}"/>
-              </a:ext>
-            </a:extLst>
-          </p:cNvPr>
-          <p:cNvSpPr txBox="1"/>
-          <p:nvPr/>
-        </p:nvSpPr>
-        <p:spPr>
-          <a:xfrm>
-            <a:off x="6010656" y="5388864"/>
-            <a:ext cx="5522976" cy="369332"/>
-          </a:xfrm>
-          <a:prstGeom prst="rect">
-            <a:avLst/>
-          </a:prstGeom>
-        </p:spPr>
-        <p:txBody>
-          <a:bodyPr wrap="square" rtlCol="0">
-            <a:spAutoFit/>
-          </a:bodyPr>
-          <a:lstStyle/>
-          <a:p>
-            <a:r>
-              <a:rPr lang="en-US" altLang="ko-KR" b="1" dirty="0"/>
-              <a:t>* 2017</a:t>
-            </a:r>
-            <a:r>
-              <a:rPr lang="ko-KR" altLang="en-US" b="1" dirty="0"/>
-              <a:t>년 </a:t>
-            </a:r>
-            <a:r>
-              <a:rPr lang="en-US" altLang="ko-KR" b="1" dirty="0"/>
-              <a:t>SBS </a:t>
-            </a:r>
-            <a:r>
-              <a:rPr lang="ko-KR" altLang="en-US" b="1" dirty="0"/>
-              <a:t>연기대상 수상 사진</a:t>
-            </a:r>
-          </a:p>
-        </p:txBody>
-      </p:sp>
-    </p:spTree>
-    <p:extLst>
-      <p:ext uri="{BB962C8B-B14F-4D97-AF65-F5344CB8AC3E}">
-        <p14:creationId xmlns:p14="http://schemas.microsoft.com/office/powerpoint/2010/main" val="2029872331"/>
-      </p:ext>
-    </p:extLst>
-  </p:cSld>
-  <p:clrMapOvr>
-    <a:masterClrMapping/>
-  </p:clrMapOvr>
-  <mc:AlternateContent xmlns:mc="http://schemas.openxmlformats.org/markup-compatibility/2006" xmlns:p14="http://schemas.microsoft.com/office/powerpoint/2010/main">
-    <mc:Choice Requires="p14">
-      <p:transition/>
-    </mc:Choice>
-    <mc:Fallback xmlns:dsp="http://schemas.microsoft.com/office/drawing/2008/diagram" xmlns:dgm="http://schemas.openxmlformats.org/drawingml/2006/diagram" xmlns:c="http://schemas.openxmlformats.org/drawingml/2006/chart" xmlns="">
+    <mc:Fallback xmlns="" xmlns:c="http://schemas.openxmlformats.org/drawingml/2006/chart" xmlns:dgm="http://schemas.openxmlformats.org/drawingml/2006/diagram" xmlns:dsp="http://schemas.microsoft.com/office/drawing/2008/diagram">
       <p:transition/>
     </mc:Fallback>
   </mc:AlternateContent>
